--- a/ONIP/onip_b1_methodes_numeriques/seance1_demistifier_python/B1_s1_1_Demystifier_Python.pptx
+++ b/ONIP/onip_b1_methodes_numeriques/seance1_demistifier_python/B1_s1_1_Demystifier_Python.pptx
@@ -5,7 +5,7 @@
     <p:sldMasterId id="2147483711" r:id="rId1"/>
   </p:sldMasterIdLst>
   <p:notesMasterIdLst>
-    <p:notesMasterId r:id="rId38"/>
+    <p:notesMasterId r:id="rId39"/>
   </p:notesMasterIdLst>
   <p:sldIdLst>
     <p:sldId id="256" r:id="rId2"/>
@@ -43,7 +43,8 @@
     <p:sldId id="302" r:id="rId34"/>
     <p:sldId id="268" r:id="rId35"/>
     <p:sldId id="263" r:id="rId36"/>
-    <p:sldId id="299" r:id="rId37"/>
+    <p:sldId id="304" r:id="rId37"/>
+    <p:sldId id="299" r:id="rId38"/>
   </p:sldIdLst>
   <p:sldSz cx="12192000" cy="6858000"/>
   <p:notesSz cx="6858000" cy="9144000"/>
@@ -232,7 +233,7 @@
           <a:p>
             <a:fld id="{E95F58B1-F1E7-421E-8CAB-1142E22FAA94}" type="datetimeFigureOut">
               <a:rPr lang="fr-FR" smtClean="0"/>
-              <a:t>21/06/2023</a:t>
+              <a:t>18/07/2023</a:t>
             </a:fld>
             <a:endParaRPr lang="fr-FR"/>
           </a:p>
@@ -1831,7 +1832,7 @@
           <a:p>
             <a:fld id="{2C6A9BE2-48D6-45F3-A4B0-8BE7C1136124}" type="datetime1">
               <a:rPr lang="en-US" smtClean="0"/>
-              <a:t>6/21/2023</a:t>
+              <a:t>7/18/2023</a:t>
             </a:fld>
             <a:endParaRPr lang="en-US" dirty="0"/>
           </a:p>
@@ -2201,7 +2202,7 @@
           <a:p>
             <a:fld id="{207990F5-EACC-4966-A287-4B4216F53718}" type="datetime1">
               <a:rPr lang="en-US" smtClean="0"/>
-              <a:t>6/21/2023</a:t>
+              <a:t>7/18/2023</a:t>
             </a:fld>
             <a:endParaRPr lang="en-US"/>
           </a:p>
@@ -2410,7 +2411,7 @@
           <a:p>
             <a:fld id="{8DBF913E-3F18-4AE4-A521-5546F23394FD}" type="datetime1">
               <a:rPr lang="en-US" smtClean="0"/>
-              <a:t>6/21/2023</a:t>
+              <a:t>7/18/2023</a:t>
             </a:fld>
             <a:endParaRPr lang="en-US"/>
           </a:p>
@@ -2880,7 +2881,7 @@
           <a:p>
             <a:fld id="{421071EA-A2A1-4B83-9FE9-827C1480F45E}" type="datetime1">
               <a:rPr lang="en-US" smtClean="0"/>
-              <a:t>6/21/2023</a:t>
+              <a:t>7/18/2023</a:t>
             </a:fld>
             <a:endParaRPr lang="en-US"/>
           </a:p>
@@ -3334,7 +3335,7 @@
           <a:p>
             <a:fld id="{7D2504F1-5060-4C10-BD92-0633042B2812}" type="datetime1">
               <a:rPr lang="en-US" smtClean="0"/>
-              <a:t>6/21/2023</a:t>
+              <a:t>7/18/2023</a:t>
             </a:fld>
             <a:endParaRPr lang="en-US"/>
           </a:p>
@@ -3866,7 +3867,7 @@
           <a:p>
             <a:fld id="{CCF0797F-0516-4828-A9E8-BF81E916FC1D}" type="datetime1">
               <a:rPr lang="en-US" smtClean="0"/>
-              <a:t>6/21/2023</a:t>
+              <a:t>7/18/2023</a:t>
             </a:fld>
             <a:endParaRPr lang="en-US"/>
           </a:p>
@@ -4565,7 +4566,7 @@
           <a:p>
             <a:fld id="{CAC274E3-1008-4E28-BFFC-77C935D233DD}" type="datetime1">
               <a:rPr lang="en-US" smtClean="0"/>
-              <a:t>6/21/2023</a:t>
+              <a:t>7/18/2023</a:t>
             </a:fld>
             <a:endParaRPr lang="en-US"/>
           </a:p>
@@ -4894,7 +4895,7 @@
           <a:p>
             <a:fld id="{81831256-70AB-43BA-B638-B038FD1822DB}" type="datetime1">
               <a:rPr lang="en-US" smtClean="0"/>
-              <a:t>6/21/2023</a:t>
+              <a:t>7/18/2023</a:t>
             </a:fld>
             <a:endParaRPr lang="en-US"/>
           </a:p>
@@ -5007,7 +5008,7 @@
           <a:p>
             <a:fld id="{B4C012F4-50C6-4AFD-90BE-024A8E4A2B02}" type="datetime1">
               <a:rPr lang="en-US" smtClean="0"/>
-              <a:t>6/21/2023</a:t>
+              <a:t>7/18/2023</a:t>
             </a:fld>
             <a:endParaRPr lang="en-US"/>
           </a:p>
@@ -5502,7 +5503,7 @@
           <a:p>
             <a:fld id="{0D6EEE37-F261-4D0D-9D02-D22EFB5FB312}" type="datetime1">
               <a:rPr lang="en-US" smtClean="0"/>
-              <a:t>6/21/2023</a:t>
+              <a:t>7/18/2023</a:t>
             </a:fld>
             <a:endParaRPr lang="en-US" dirty="0"/>
           </a:p>
@@ -5979,7 +5980,7 @@
           <a:p>
             <a:fld id="{5E2207DD-F583-4331-A80F-94A5D95D3F6E}" type="datetime1">
               <a:rPr lang="en-US" smtClean="0"/>
-              <a:t>6/21/2023</a:t>
+              <a:t>7/18/2023</a:t>
             </a:fld>
             <a:endParaRPr lang="en-US"/>
           </a:p>
@@ -6222,7 +6223,7 @@
           <a:p>
             <a:fld id="{DFF62E98-E19A-48A5-B163-ACC3DA57F658}" type="datetime1">
               <a:rPr lang="en-US" smtClean="0"/>
-              <a:t>6/21/2023</a:t>
+              <a:t>7/18/2023</a:t>
             </a:fld>
             <a:endParaRPr lang="en-US"/>
           </a:p>
@@ -10334,8 +10335,8 @@
           </p:sp>
         </mc:Fallback>
       </mc:AlternateContent>
-      <mc:AlternateContent xmlns:mc="http://schemas.openxmlformats.org/markup-compatibility/2006" xmlns:a14="http://schemas.microsoft.com/office/drawing/2010/main">
-        <mc:Choice Requires="a14">
+      <mc:AlternateContent xmlns:mc="http://schemas.openxmlformats.org/markup-compatibility/2006">
+        <mc:Choice xmlns:a14="http://schemas.microsoft.com/office/drawing/2010/main" Requires="a14">
           <p:sp>
             <p:nvSpPr>
               <p:cNvPr id="6" name="ZoneTexte 5">
@@ -10406,13 +10407,21 @@
                 </a14:m>
                 <a:r>
                   <a:rPr lang="fr-FR" i="1" dirty="0"/>
-                  <a:t>entiers naturels de 0 à N-1</a:t>
+                  <a:t>entiers naturels de 0 à 2</a:t>
+                </a:r>
+                <a:r>
+                  <a:rPr lang="fr-FR" i="1" baseline="30000" dirty="0"/>
+                  <a:t>N</a:t>
+                </a:r>
+                <a:r>
+                  <a:rPr lang="fr-FR" i="1" dirty="0"/>
+                  <a:t>-1</a:t>
                 </a:r>
               </a:p>
             </p:txBody>
           </p:sp>
         </mc:Choice>
-        <mc:Fallback xmlns="">
+        <mc:Fallback>
           <p:sp>
             <p:nvSpPr>
               <p:cNvPr id="6" name="ZoneTexte 5">
@@ -10457,8 +10466,8 @@
           </p:sp>
         </mc:Fallback>
       </mc:AlternateContent>
-      <mc:AlternateContent xmlns:mc="http://schemas.openxmlformats.org/markup-compatibility/2006" xmlns:a14="http://schemas.microsoft.com/office/drawing/2010/main">
-        <mc:Choice Requires="a14">
+      <mc:AlternateContent xmlns:mc="http://schemas.openxmlformats.org/markup-compatibility/2006">
+        <mc:Choice xmlns:a14="http://schemas.microsoft.com/office/drawing/2010/main" Requires="a14">
           <p:sp>
             <p:nvSpPr>
               <p:cNvPr id="7" name="ZoneTexte 6">
@@ -10529,13 +10538,29 @@
                 </a14:m>
                 <a:r>
                   <a:rPr lang="fr-FR" i="1" dirty="0"/>
-                  <a:t>entiers relatifs de -N/2 à N/2-1</a:t>
+                  <a:t>entiers relatifs de -2</a:t>
+                </a:r>
+                <a:r>
+                  <a:rPr lang="fr-FR" i="1" baseline="30000" dirty="0"/>
+                  <a:t>N-1</a:t>
+                </a:r>
+                <a:r>
+                  <a:rPr lang="fr-FR" i="1" dirty="0"/>
+                  <a:t> à 2</a:t>
+                </a:r>
+                <a:r>
+                  <a:rPr lang="fr-FR" i="1" baseline="30000" dirty="0"/>
+                  <a:t>N-1</a:t>
+                </a:r>
+                <a:r>
+                  <a:rPr lang="fr-FR" i="1" dirty="0"/>
+                  <a:t>-1</a:t>
                 </a:r>
               </a:p>
             </p:txBody>
           </p:sp>
         </mc:Choice>
-        <mc:Fallback xmlns="">
+        <mc:Fallback>
           <p:sp>
             <p:nvSpPr>
               <p:cNvPr id="7" name="ZoneTexte 6">
@@ -11288,10 +11313,468 @@
         <mc:Choice Requires="a14">
           <p:sp>
             <p:nvSpPr>
-              <p:cNvPr id="6" name="ZoneTexte 5">
+              <p:cNvPr id="12" name="ZoneTexte 11">
                 <a:extLst>
                   <a:ext uri="{FF2B5EF4-FFF2-40B4-BE49-F238E27FC236}">
-                    <a16:creationId xmlns:a16="http://schemas.microsoft.com/office/drawing/2014/main" id="{7413A552-37A8-3307-9961-C6CB27A4CFCB}"/>
+                    <a16:creationId xmlns:a16="http://schemas.microsoft.com/office/drawing/2014/main" id="{BA99C4F1-B251-3AEA-42BF-0C72D4C08923}"/>
+                  </a:ext>
+                </a:extLst>
+              </p:cNvPr>
+              <p:cNvSpPr txBox="1"/>
+              <p:nvPr/>
+            </p:nvSpPr>
+            <p:spPr>
+              <a:xfrm>
+                <a:off x="1809135" y="4725867"/>
+                <a:ext cx="3893575" cy="369332"/>
+              </a:xfrm>
+              <a:prstGeom prst="rect">
+                <a:avLst/>
+              </a:prstGeom>
+              <a:noFill/>
+            </p:spPr>
+            <p:txBody>
+              <a:bodyPr wrap="square">
+                <a:spAutoFit/>
+              </a:bodyPr>
+              <a:lstStyle/>
+              <a:p>
+                <a:r>
+                  <a:rPr lang="fr-FR" i="1" dirty="0"/>
+                  <a:t>0b 1011 </a:t>
+                </a:r>
+                <a:r>
+                  <a:rPr lang="fr-FR" b="1" i="1" dirty="0"/>
+                  <a:t>= </a:t>
+                </a:r>
+                <a14:m>
+                  <m:oMath xmlns:m="http://schemas.openxmlformats.org/officeDocument/2006/math">
+                    <m:sSup>
+                      <m:sSupPr>
+                        <m:ctrlPr>
+                          <a:rPr lang="fr-FR" i="1" smtClean="0">
+                            <a:latin typeface="Cambria Math" panose="02040503050406030204" pitchFamily="18" charset="0"/>
+                          </a:rPr>
+                        </m:ctrlPr>
+                      </m:sSupPr>
+                      <m:e>
+                        <m:r>
+                          <a:rPr lang="fr-FR" b="0" i="1" smtClean="0">
+                            <a:latin typeface="Cambria Math" panose="02040503050406030204" pitchFamily="18" charset="0"/>
+                          </a:rPr>
+                          <m:t>1.2</m:t>
+                        </m:r>
+                      </m:e>
+                      <m:sup>
+                        <m:r>
+                          <a:rPr lang="fr-FR" b="0" i="1" smtClean="0">
+                            <a:latin typeface="Cambria Math" panose="02040503050406030204" pitchFamily="18" charset="0"/>
+                          </a:rPr>
+                          <m:t>3</m:t>
+                        </m:r>
+                      </m:sup>
+                    </m:sSup>
+                    <m:r>
+                      <a:rPr lang="fr-FR" b="0" i="1" smtClean="0">
+                        <a:latin typeface="Cambria Math" panose="02040503050406030204" pitchFamily="18" charset="0"/>
+                      </a:rPr>
+                      <m:t>+</m:t>
+                    </m:r>
+                    <m:sSup>
+                      <m:sSupPr>
+                        <m:ctrlPr>
+                          <a:rPr lang="fr-FR" i="1">
+                            <a:latin typeface="Cambria Math" panose="02040503050406030204" pitchFamily="18" charset="0"/>
+                          </a:rPr>
+                        </m:ctrlPr>
+                      </m:sSupPr>
+                      <m:e>
+                        <m:r>
+                          <a:rPr lang="fr-FR" b="0" i="1" smtClean="0">
+                            <a:latin typeface="Cambria Math" panose="02040503050406030204" pitchFamily="18" charset="0"/>
+                          </a:rPr>
+                          <m:t>0</m:t>
+                        </m:r>
+                        <m:r>
+                          <a:rPr lang="fr-FR" i="1">
+                            <a:latin typeface="Cambria Math" panose="02040503050406030204" pitchFamily="18" charset="0"/>
+                          </a:rPr>
+                          <m:t>.2</m:t>
+                        </m:r>
+                      </m:e>
+                      <m:sup>
+                        <m:r>
+                          <a:rPr lang="fr-FR" b="0" i="1" smtClean="0">
+                            <a:latin typeface="Cambria Math" panose="02040503050406030204" pitchFamily="18" charset="0"/>
+                          </a:rPr>
+                          <m:t>2</m:t>
+                        </m:r>
+                      </m:sup>
+                    </m:sSup>
+                  </m:oMath>
+                </a14:m>
+                <a:r>
+                  <a:rPr lang="fr-FR" dirty="0"/>
+                  <a:t> </a:t>
+                </a:r>
+                <a14:m>
+                  <m:oMath xmlns:m="http://schemas.openxmlformats.org/officeDocument/2006/math">
+                    <m:sSup>
+                      <m:sSupPr>
+                        <m:ctrlPr>
+                          <a:rPr lang="fr-FR" i="1">
+                            <a:latin typeface="Cambria Math" panose="02040503050406030204" pitchFamily="18" charset="0"/>
+                          </a:rPr>
+                        </m:ctrlPr>
+                      </m:sSupPr>
+                      <m:e>
+                        <m:r>
+                          <a:rPr lang="fr-FR" b="0" i="1" smtClean="0">
+                            <a:latin typeface="Cambria Math" panose="02040503050406030204" pitchFamily="18" charset="0"/>
+                          </a:rPr>
+                          <m:t>+ </m:t>
+                        </m:r>
+                        <m:r>
+                          <a:rPr lang="fr-FR" i="1">
+                            <a:latin typeface="Cambria Math" panose="02040503050406030204" pitchFamily="18" charset="0"/>
+                          </a:rPr>
+                          <m:t>1.2</m:t>
+                        </m:r>
+                      </m:e>
+                      <m:sup>
+                        <m:r>
+                          <a:rPr lang="fr-FR" b="0" i="1" smtClean="0">
+                            <a:latin typeface="Cambria Math" panose="02040503050406030204" pitchFamily="18" charset="0"/>
+                          </a:rPr>
+                          <m:t>1</m:t>
+                        </m:r>
+                      </m:sup>
+                    </m:sSup>
+                    <m:r>
+                      <a:rPr lang="fr-FR" b="0" i="1" smtClean="0">
+                        <a:latin typeface="Cambria Math" panose="02040503050406030204" pitchFamily="18" charset="0"/>
+                      </a:rPr>
+                      <m:t>+</m:t>
+                    </m:r>
+                  </m:oMath>
+                </a14:m>
+                <a:r>
+                  <a:rPr lang="fr-FR" dirty="0"/>
+                  <a:t> </a:t>
+                </a:r>
+                <a14:m>
+                  <m:oMath xmlns:m="http://schemas.openxmlformats.org/officeDocument/2006/math">
+                    <m:sSup>
+                      <m:sSupPr>
+                        <m:ctrlPr>
+                          <a:rPr lang="fr-FR" i="1">
+                            <a:latin typeface="Cambria Math" panose="02040503050406030204" pitchFamily="18" charset="0"/>
+                          </a:rPr>
+                        </m:ctrlPr>
+                      </m:sSupPr>
+                      <m:e>
+                        <m:r>
+                          <a:rPr lang="fr-FR" i="1">
+                            <a:latin typeface="Cambria Math" panose="02040503050406030204" pitchFamily="18" charset="0"/>
+                          </a:rPr>
+                          <m:t>1.2</m:t>
+                        </m:r>
+                      </m:e>
+                      <m:sup>
+                        <m:r>
+                          <a:rPr lang="fr-FR" b="0" i="1" smtClean="0">
+                            <a:latin typeface="Cambria Math" panose="02040503050406030204" pitchFamily="18" charset="0"/>
+                          </a:rPr>
+                          <m:t>0</m:t>
+                        </m:r>
+                      </m:sup>
+                    </m:sSup>
+                  </m:oMath>
+                </a14:m>
+                <a:endParaRPr lang="fr-FR" dirty="0"/>
+              </a:p>
+            </p:txBody>
+          </p:sp>
+        </mc:Choice>
+        <mc:Fallback xmlns="">
+          <p:sp>
+            <p:nvSpPr>
+              <p:cNvPr id="12" name="ZoneTexte 11">
+                <a:extLst>
+                  <a:ext uri="{FF2B5EF4-FFF2-40B4-BE49-F238E27FC236}">
+                    <a16:creationId xmlns:a16="http://schemas.microsoft.com/office/drawing/2014/main" id="{BA99C4F1-B251-3AEA-42BF-0C72D4C08923}"/>
+                  </a:ext>
+                </a:extLst>
+              </p:cNvPr>
+              <p:cNvSpPr txBox="1">
+                <a:spLocks noRot="1" noChangeAspect="1" noMove="1" noResize="1" noEditPoints="1" noAdjustHandles="1" noChangeArrowheads="1" noChangeShapeType="1" noTextEdit="1"/>
+              </p:cNvSpPr>
+              <p:nvPr/>
+            </p:nvSpPr>
+            <p:spPr>
+              <a:xfrm>
+                <a:off x="1809135" y="4725867"/>
+                <a:ext cx="3893575" cy="369332"/>
+              </a:xfrm>
+              <a:prstGeom prst="rect">
+                <a:avLst/>
+              </a:prstGeom>
+              <a:blipFill>
+                <a:blip r:embed="rId9"/>
+                <a:stretch>
+                  <a:fillRect l="-1411" t="-6557" b="-26230"/>
+                </a:stretch>
+              </a:blipFill>
+            </p:spPr>
+            <p:txBody>
+              <a:bodyPr/>
+              <a:lstStyle/>
+              <a:p>
+                <a:r>
+                  <a:rPr lang="fr-FR">
+                    <a:noFill/>
+                  </a:rPr>
+                  <a:t> </a:t>
+                </a:r>
+              </a:p>
+            </p:txBody>
+          </p:sp>
+        </mc:Fallback>
+      </mc:AlternateContent>
+      <p:sp>
+        <p:nvSpPr>
+          <p:cNvPr id="14" name="ZoneTexte 13">
+            <a:extLst>
+              <a:ext uri="{FF2B5EF4-FFF2-40B4-BE49-F238E27FC236}">
+                <a16:creationId xmlns:a16="http://schemas.microsoft.com/office/drawing/2014/main" id="{2221FA5D-7CAD-D136-26CA-A159D8F78279}"/>
+              </a:ext>
+            </a:extLst>
+          </p:cNvPr>
+          <p:cNvSpPr txBox="1"/>
+          <p:nvPr/>
+        </p:nvSpPr>
+        <p:spPr>
+          <a:xfrm>
+            <a:off x="1809134" y="5615288"/>
+            <a:ext cx="3893575" cy="369332"/>
+          </a:xfrm>
+          <a:prstGeom prst="rect">
+            <a:avLst/>
+          </a:prstGeom>
+          <a:noFill/>
+        </p:spPr>
+        <p:txBody>
+          <a:bodyPr wrap="square">
+            <a:spAutoFit/>
+          </a:bodyPr>
+          <a:lstStyle/>
+          <a:p>
+            <a:r>
+              <a:rPr lang="fr-FR" i="1" dirty="0"/>
+              <a:t>0b </a:t>
+            </a:r>
+            <a:r>
+              <a:rPr lang="fr-FR" i="1" dirty="0">
+                <a:solidFill>
+                  <a:schemeClr val="bg1"/>
+                </a:solidFill>
+                <a:highlight>
+                  <a:srgbClr val="800080"/>
+                </a:highlight>
+              </a:rPr>
+              <a:t>1</a:t>
+            </a:r>
+            <a:r>
+              <a:rPr lang="fr-FR" i="1" dirty="0"/>
+              <a:t>011</a:t>
+            </a:r>
+            <a:endParaRPr lang="fr-FR" dirty="0"/>
+          </a:p>
+        </p:txBody>
+      </p:sp>
+      <p:sp>
+        <p:nvSpPr>
+          <p:cNvPr id="17" name="ZoneTexte 16">
+            <a:extLst>
+              <a:ext uri="{FF2B5EF4-FFF2-40B4-BE49-F238E27FC236}">
+                <a16:creationId xmlns:a16="http://schemas.microsoft.com/office/drawing/2014/main" id="{2C0726EE-E6BF-D3A5-0E5E-6617D409E946}"/>
+              </a:ext>
+            </a:extLst>
+          </p:cNvPr>
+          <p:cNvSpPr txBox="1"/>
+          <p:nvPr/>
+        </p:nvSpPr>
+        <p:spPr>
+          <a:xfrm>
+            <a:off x="2123677" y="6047523"/>
+            <a:ext cx="966118" cy="307777"/>
+          </a:xfrm>
+          <a:prstGeom prst="rect">
+            <a:avLst/>
+          </a:prstGeom>
+          <a:noFill/>
+        </p:spPr>
+        <p:txBody>
+          <a:bodyPr wrap="square">
+            <a:spAutoFit/>
+          </a:bodyPr>
+          <a:lstStyle/>
+          <a:p>
+            <a:r>
+              <a:rPr lang="fr-FR" sz="1400" i="1" dirty="0"/>
+              <a:t>signe</a:t>
+            </a:r>
+            <a:endParaRPr lang="fr-FR" sz="1400" dirty="0"/>
+          </a:p>
+        </p:txBody>
+      </p:sp>
+      <p:sp>
+        <p:nvSpPr>
+          <p:cNvPr id="19" name="Rectangle 18">
+            <a:extLst>
+              <a:ext uri="{FF2B5EF4-FFF2-40B4-BE49-F238E27FC236}">
+                <a16:creationId xmlns:a16="http://schemas.microsoft.com/office/drawing/2014/main" id="{7C70C9EF-D3C0-AC3C-5F9C-66593DEB9BEA}"/>
+              </a:ext>
+            </a:extLst>
+          </p:cNvPr>
+          <p:cNvSpPr/>
+          <p:nvPr/>
+        </p:nvSpPr>
+        <p:spPr>
+          <a:xfrm>
+            <a:off x="3783361" y="5684003"/>
+            <a:ext cx="1635483" cy="559054"/>
+          </a:xfrm>
+          <a:prstGeom prst="rect">
+            <a:avLst/>
+          </a:prstGeom>
+          <a:solidFill>
+            <a:schemeClr val="bg1"/>
+          </a:solidFill>
+        </p:spPr>
+        <p:style>
+          <a:lnRef idx="2">
+            <a:schemeClr val="accent1">
+              <a:shade val="50000"/>
+            </a:schemeClr>
+          </a:lnRef>
+          <a:fillRef idx="1">
+            <a:schemeClr val="accent1"/>
+          </a:fillRef>
+          <a:effectRef idx="0">
+            <a:schemeClr val="accent1"/>
+          </a:effectRef>
+          <a:fontRef idx="minor">
+            <a:schemeClr val="lt1"/>
+          </a:fontRef>
+        </p:style>
+        <p:txBody>
+          <a:bodyPr rtlCol="0" anchor="ctr"/>
+          <a:lstStyle/>
+          <a:p>
+            <a:pPr algn="r"/>
+            <a:r>
+              <a:rPr lang="fr-FR" sz="2000" dirty="0">
+                <a:solidFill>
+                  <a:schemeClr val="tx1"/>
+                </a:solidFill>
+              </a:rPr>
+              <a:t>-0 ≠ 0  </a:t>
+            </a:r>
+          </a:p>
+        </p:txBody>
+      </p:sp>
+      <p:pic>
+        <p:nvPicPr>
+          <p:cNvPr id="20" name="Picture 2" descr="317,435 Panneau Attention Imágenes y Fotos - 123RF">
+            <a:extLst>
+              <a:ext uri="{FF2B5EF4-FFF2-40B4-BE49-F238E27FC236}">
+                <a16:creationId xmlns:a16="http://schemas.microsoft.com/office/drawing/2014/main" id="{DF67CF51-218B-EF6F-AF18-392B247D2279}"/>
+              </a:ext>
+            </a:extLst>
+          </p:cNvPr>
+          <p:cNvPicPr>
+            <a:picLocks noChangeAspect="1" noChangeArrowheads="1"/>
+          </p:cNvPicPr>
+          <p:nvPr/>
+        </p:nvPicPr>
+        <p:blipFill>
+          <a:blip r:embed="rId10">
+            <a:extLst>
+              <a:ext uri="{28A0092B-C50C-407E-A947-70E740481C1C}">
+                <a14:useLocalDpi xmlns:a14="http://schemas.microsoft.com/office/drawing/2010/main" val="0"/>
+              </a:ext>
+            </a:extLst>
+          </a:blip>
+          <a:srcRect/>
+          <a:stretch>
+            <a:fillRect/>
+          </a:stretch>
+        </p:blipFill>
+        <p:spPr bwMode="auto">
+          <a:xfrm>
+            <a:off x="3871511" y="5751551"/>
+            <a:ext cx="425117" cy="425117"/>
+          </a:xfrm>
+          <a:prstGeom prst="rect">
+            <a:avLst/>
+          </a:prstGeom>
+          <a:noFill/>
+          <a:extLst>
+            <a:ext uri="{909E8E84-426E-40DD-AFC4-6F175D3DCCD1}">
+              <a14:hiddenFill xmlns:a14="http://schemas.microsoft.com/office/drawing/2010/main">
+                <a:solidFill>
+                  <a:srgbClr val="FFFFFF"/>
+                </a:solidFill>
+              </a14:hiddenFill>
+            </a:ext>
+          </a:extLst>
+        </p:spPr>
+      </p:pic>
+      <p:sp>
+        <p:nvSpPr>
+          <p:cNvPr id="21" name="ZoneTexte 20">
+            <a:extLst>
+              <a:ext uri="{FF2B5EF4-FFF2-40B4-BE49-F238E27FC236}">
+                <a16:creationId xmlns:a16="http://schemas.microsoft.com/office/drawing/2014/main" id="{E5FA45D0-6225-B802-1092-B59A27FD3171}"/>
+              </a:ext>
+            </a:extLst>
+          </p:cNvPr>
+          <p:cNvSpPr txBox="1"/>
+          <p:nvPr/>
+        </p:nvSpPr>
+        <p:spPr>
+          <a:xfrm>
+            <a:off x="3755921" y="6285280"/>
+            <a:ext cx="1825291" cy="307777"/>
+          </a:xfrm>
+          <a:prstGeom prst="rect">
+            <a:avLst/>
+          </a:prstGeom>
+          <a:noFill/>
+        </p:spPr>
+        <p:txBody>
+          <a:bodyPr wrap="square">
+            <a:spAutoFit/>
+          </a:bodyPr>
+          <a:lstStyle/>
+          <a:p>
+            <a:r>
+              <a:rPr lang="fr-FR" sz="1400" i="1" dirty="0"/>
+              <a:t>Complément à 2</a:t>
+            </a:r>
+            <a:endParaRPr lang="fr-FR" sz="1400" dirty="0"/>
+          </a:p>
+        </p:txBody>
+      </p:sp>
+      <mc:AlternateContent xmlns:mc="http://schemas.openxmlformats.org/markup-compatibility/2006">
+        <mc:Choice xmlns:a14="http://schemas.microsoft.com/office/drawing/2010/main" Requires="a14">
+          <p:sp>
+            <p:nvSpPr>
+              <p:cNvPr id="10" name="ZoneTexte 9">
+                <a:extLst>
+                  <a:ext uri="{FF2B5EF4-FFF2-40B4-BE49-F238E27FC236}">
+                    <a16:creationId xmlns:a16="http://schemas.microsoft.com/office/drawing/2014/main" id="{D7EBA73D-2A54-8005-2FC3-01E3A010B27D}"/>
                   </a:ext>
                 </a:extLst>
               </p:cNvPr>
@@ -11356,19 +11839,27 @@
                 </a14:m>
                 <a:r>
                   <a:rPr lang="fr-FR" i="1" dirty="0"/>
-                  <a:t>entiers naturels de 0 à N-1</a:t>
+                  <a:t>entiers naturels de 0 à 2</a:t>
+                </a:r>
+                <a:r>
+                  <a:rPr lang="fr-FR" i="1" baseline="30000" dirty="0"/>
+                  <a:t>N</a:t>
+                </a:r>
+                <a:r>
+                  <a:rPr lang="fr-FR" i="1" dirty="0"/>
+                  <a:t>-1</a:t>
                 </a:r>
               </a:p>
             </p:txBody>
           </p:sp>
         </mc:Choice>
-        <mc:Fallback xmlns="">
+        <mc:Fallback>
           <p:sp>
             <p:nvSpPr>
-              <p:cNvPr id="6" name="ZoneTexte 5">
+              <p:cNvPr id="10" name="ZoneTexte 9">
                 <a:extLst>
                   <a:ext uri="{FF2B5EF4-FFF2-40B4-BE49-F238E27FC236}">
-                    <a16:creationId xmlns:a16="http://schemas.microsoft.com/office/drawing/2014/main" id="{7413A552-37A8-3307-9961-C6CB27A4CFCB}"/>
+                    <a16:creationId xmlns:a16="http://schemas.microsoft.com/office/drawing/2014/main" id="{D7EBA73D-2A54-8005-2FC3-01E3A010B27D}"/>
                   </a:ext>
                 </a:extLst>
               </p:cNvPr>
@@ -11386,7 +11877,7 @@
                 <a:avLst/>
               </a:prstGeom>
               <a:blipFill>
-                <a:blip r:embed="rId7"/>
+                <a:blip r:embed="rId11"/>
                 <a:stretch>
                   <a:fillRect t="-8333" b="-28333"/>
                 </a:stretch>
@@ -11407,14 +11898,14 @@
           </p:sp>
         </mc:Fallback>
       </mc:AlternateContent>
-      <mc:AlternateContent xmlns:mc="http://schemas.openxmlformats.org/markup-compatibility/2006" xmlns:a14="http://schemas.microsoft.com/office/drawing/2010/main">
-        <mc:Choice Requires="a14">
+      <mc:AlternateContent xmlns:mc="http://schemas.openxmlformats.org/markup-compatibility/2006">
+        <mc:Choice xmlns:a14="http://schemas.microsoft.com/office/drawing/2010/main" Requires="a14">
           <p:sp>
             <p:nvSpPr>
-              <p:cNvPr id="7" name="ZoneTexte 6">
+              <p:cNvPr id="11" name="ZoneTexte 10">
                 <a:extLst>
                   <a:ext uri="{FF2B5EF4-FFF2-40B4-BE49-F238E27FC236}">
-                    <a16:creationId xmlns:a16="http://schemas.microsoft.com/office/drawing/2014/main" id="{769549EB-74DF-F9CF-BBEC-3764917B8771}"/>
+                    <a16:creationId xmlns:a16="http://schemas.microsoft.com/office/drawing/2014/main" id="{E6F0AEC7-CC92-263A-85BB-CA7B8BB1CAEA}"/>
                   </a:ext>
                 </a:extLst>
               </p:cNvPr>
@@ -11479,19 +11970,35 @@
                 </a14:m>
                 <a:r>
                   <a:rPr lang="fr-FR" i="1" dirty="0"/>
-                  <a:t>entiers relatifs de -N/2 à N/2-1</a:t>
+                  <a:t>entiers relatifs de -2</a:t>
+                </a:r>
+                <a:r>
+                  <a:rPr lang="fr-FR" i="1" baseline="30000" dirty="0"/>
+                  <a:t>N-1</a:t>
+                </a:r>
+                <a:r>
+                  <a:rPr lang="fr-FR" i="1" dirty="0"/>
+                  <a:t> à 2</a:t>
+                </a:r>
+                <a:r>
+                  <a:rPr lang="fr-FR" i="1" baseline="30000" dirty="0"/>
+                  <a:t>N-1</a:t>
+                </a:r>
+                <a:r>
+                  <a:rPr lang="fr-FR" i="1" dirty="0"/>
+                  <a:t>-1</a:t>
                 </a:r>
               </a:p>
             </p:txBody>
           </p:sp>
         </mc:Choice>
-        <mc:Fallback xmlns="">
+        <mc:Fallback>
           <p:sp>
             <p:nvSpPr>
-              <p:cNvPr id="7" name="ZoneTexte 6">
+              <p:cNvPr id="11" name="ZoneTexte 10">
                 <a:extLst>
                   <a:ext uri="{FF2B5EF4-FFF2-40B4-BE49-F238E27FC236}">
-                    <a16:creationId xmlns:a16="http://schemas.microsoft.com/office/drawing/2014/main" id="{769549EB-74DF-F9CF-BBEC-3764917B8771}"/>
+                    <a16:creationId xmlns:a16="http://schemas.microsoft.com/office/drawing/2014/main" id="{E6F0AEC7-CC92-263A-85BB-CA7B8BB1CAEA}"/>
                   </a:ext>
                 </a:extLst>
               </p:cNvPr>
@@ -11509,9 +12016,486 @@
                 <a:avLst/>
               </a:prstGeom>
               <a:blipFill>
-                <a:blip r:embed="rId8"/>
+                <a:blip r:embed="rId12"/>
                 <a:stretch>
                   <a:fillRect t="-6557" b="-26230"/>
+                </a:stretch>
+              </a:blipFill>
+            </p:spPr>
+            <p:txBody>
+              <a:bodyPr/>
+              <a:lstStyle/>
+              <a:p>
+                <a:r>
+                  <a:rPr lang="fr-FR">
+                    <a:noFill/>
+                  </a:rPr>
+                  <a:t> </a:t>
+                </a:r>
+              </a:p>
+            </p:txBody>
+          </p:sp>
+        </mc:Fallback>
+      </mc:AlternateContent>
+    </p:spTree>
+    <p:extLst>
+      <p:ext uri="{BB962C8B-B14F-4D97-AF65-F5344CB8AC3E}">
+        <p14:creationId xmlns:p14="http://schemas.microsoft.com/office/powerpoint/2010/main" val="3416631612"/>
+      </p:ext>
+    </p:extLst>
+  </p:cSld>
+  <p:clrMapOvr>
+    <a:masterClrMapping/>
+  </p:clrMapOvr>
+</p:sld>
+</file>
+
+<file path=ppt/slides/slide17.xml><?xml version="1.0" encoding="utf-8"?>
+<p:sld xmlns:a="http://schemas.openxmlformats.org/drawingml/2006/main" xmlns:r="http://schemas.openxmlformats.org/officeDocument/2006/relationships" xmlns:p="http://schemas.openxmlformats.org/presentationml/2006/main">
+  <p:cSld>
+    <p:bg>
+      <p:bgPr>
+        <a:solidFill>
+          <a:schemeClr val="bg1">
+            <a:lumMod val="95000"/>
+          </a:schemeClr>
+        </a:solidFill>
+        <a:effectLst/>
+      </p:bgPr>
+    </p:bg>
+    <p:spTree>
+      <p:nvGrpSpPr>
+        <p:cNvPr id="1" name=""/>
+        <p:cNvGrpSpPr/>
+        <p:nvPr/>
+      </p:nvGrpSpPr>
+      <p:grpSpPr>
+        <a:xfrm>
+          <a:off x="0" y="0"/>
+          <a:ext cx="0" cy="0"/>
+          <a:chOff x="0" y="0"/>
+          <a:chExt cx="0" cy="0"/>
+        </a:xfrm>
+      </p:grpSpPr>
+      <p:sp>
+        <p:nvSpPr>
+          <p:cNvPr id="2" name="Titre 1">
+            <a:extLst>
+              <a:ext uri="{FF2B5EF4-FFF2-40B4-BE49-F238E27FC236}">
+                <a16:creationId xmlns:a16="http://schemas.microsoft.com/office/drawing/2014/main" id="{90162AE8-C1B0-5C56-8313-DEE494F38273}"/>
+              </a:ext>
+            </a:extLst>
+          </p:cNvPr>
+          <p:cNvSpPr>
+            <a:spLocks noGrp="1"/>
+          </p:cNvSpPr>
+          <p:nvPr>
+            <p:ph type="title"/>
+          </p:nvPr>
+        </p:nvSpPr>
+        <p:spPr/>
+        <p:txBody>
+          <a:bodyPr/>
+          <a:lstStyle/>
+          <a:p>
+            <a:r>
+              <a:rPr lang="fr-FR" dirty="0"/>
+              <a:t>Codage des informations en machine</a:t>
+            </a:r>
+          </a:p>
+        </p:txBody>
+      </p:sp>
+      <p:pic>
+        <p:nvPicPr>
+          <p:cNvPr id="5" name="Image 4" descr="Une image contenant texte&#10;&#10;Description générée automatiquement">
+            <a:extLst>
+              <a:ext uri="{FF2B5EF4-FFF2-40B4-BE49-F238E27FC236}">
+                <a16:creationId xmlns:a16="http://schemas.microsoft.com/office/drawing/2014/main" id="{66D2630B-81F4-A4EB-21BA-8B90CF30BD92}"/>
+              </a:ext>
+            </a:extLst>
+          </p:cNvPr>
+          <p:cNvPicPr>
+            <a:picLocks noChangeAspect="1"/>
+          </p:cNvPicPr>
+          <p:nvPr/>
+        </p:nvPicPr>
+        <p:blipFill>
+          <a:blip r:embed="rId3">
+            <a:extLst>
+              <a:ext uri="{28A0092B-C50C-407E-A947-70E740481C1C}">
+                <a14:useLocalDpi xmlns:a14="http://schemas.microsoft.com/office/drawing/2010/main" val="0"/>
+              </a:ext>
+            </a:extLst>
+          </a:blip>
+          <a:stretch>
+            <a:fillRect/>
+          </a:stretch>
+        </p:blipFill>
+        <p:spPr>
+          <a:xfrm>
+            <a:off x="202922" y="5934456"/>
+            <a:ext cx="1825291" cy="749808"/>
+          </a:xfrm>
+          <a:prstGeom prst="rect">
+            <a:avLst/>
+          </a:prstGeom>
+        </p:spPr>
+      </p:pic>
+      <p:sp>
+        <p:nvSpPr>
+          <p:cNvPr id="4" name="Espace réservé du numéro de diapositive 3">
+            <a:extLst>
+              <a:ext uri="{FF2B5EF4-FFF2-40B4-BE49-F238E27FC236}">
+                <a16:creationId xmlns:a16="http://schemas.microsoft.com/office/drawing/2014/main" id="{B7C60569-E347-D5FA-457F-6F630CD86C7B}"/>
+              </a:ext>
+            </a:extLst>
+          </p:cNvPr>
+          <p:cNvSpPr>
+            <a:spLocks noGrp="1"/>
+          </p:cNvSpPr>
+          <p:nvPr>
+            <p:ph type="sldNum" sz="quarter" idx="12"/>
+          </p:nvPr>
+        </p:nvSpPr>
+        <p:spPr/>
+        <p:txBody>
+          <a:bodyPr/>
+          <a:lstStyle/>
+          <a:p>
+            <a:fld id="{B2DC25EE-239B-4C5F-AAD1-255A7D5F1EE2}" type="slidenum">
+              <a:rPr lang="en-US" smtClean="0"/>
+              <a:t>17</a:t>
+            </a:fld>
+            <a:endParaRPr lang="en-US"/>
+          </a:p>
+        </p:txBody>
+      </p:sp>
+      <p:pic>
+        <p:nvPicPr>
+          <p:cNvPr id="8" name="Graphique 7" descr="Ordinateur avec un remplissage uni">
+            <a:extLst>
+              <a:ext uri="{FF2B5EF4-FFF2-40B4-BE49-F238E27FC236}">
+                <a16:creationId xmlns:a16="http://schemas.microsoft.com/office/drawing/2014/main" id="{204EAE7A-A5AE-6CFE-7995-58804D352D63}"/>
+              </a:ext>
+            </a:extLst>
+          </p:cNvPr>
+          <p:cNvPicPr>
+            <a:picLocks noChangeAspect="1"/>
+          </p:cNvPicPr>
+          <p:nvPr/>
+        </p:nvPicPr>
+        <p:blipFill>
+          <a:blip r:embed="rId4">
+            <a:extLst>
+              <a:ext uri="{28A0092B-C50C-407E-A947-70E740481C1C}">
+                <a14:useLocalDpi xmlns:a14="http://schemas.microsoft.com/office/drawing/2010/main" val="0"/>
+              </a:ext>
+              <a:ext uri="{96DAC541-7B7A-43D3-8B79-37D633B846F1}">
+                <asvg:svgBlip xmlns:asvg="http://schemas.microsoft.com/office/drawing/2016/SVG/main" r:embed="rId5"/>
+              </a:ext>
+            </a:extLst>
+          </a:blip>
+          <a:stretch>
+            <a:fillRect/>
+          </a:stretch>
+        </p:blipFill>
+        <p:spPr>
+          <a:xfrm>
+            <a:off x="10712442" y="1167532"/>
+            <a:ext cx="727980" cy="727980"/>
+          </a:xfrm>
+          <a:prstGeom prst="rect">
+            <a:avLst/>
+          </a:prstGeom>
+        </p:spPr>
+      </p:pic>
+      <p:sp>
+        <p:nvSpPr>
+          <p:cNvPr id="9" name="Espace réservé du contenu 2">
+            <a:extLst>
+              <a:ext uri="{FF2B5EF4-FFF2-40B4-BE49-F238E27FC236}">
+                <a16:creationId xmlns:a16="http://schemas.microsoft.com/office/drawing/2014/main" id="{1C125B2B-11F4-22C8-B190-675190C0EAB6}"/>
+              </a:ext>
+            </a:extLst>
+          </p:cNvPr>
+          <p:cNvSpPr>
+            <a:spLocks noGrp="1"/>
+          </p:cNvSpPr>
+          <p:nvPr>
+            <p:ph sz="half" idx="1"/>
+          </p:nvPr>
+        </p:nvSpPr>
+        <p:spPr>
+          <a:xfrm>
+            <a:off x="1115568" y="2478024"/>
+            <a:ext cx="4937760" cy="3694176"/>
+          </a:xfrm>
+        </p:spPr>
+        <p:txBody>
+          <a:bodyPr/>
+          <a:lstStyle/>
+          <a:p>
+            <a:r>
+              <a:rPr lang="fr-FR"/>
+              <a:t>Nombres entiers</a:t>
+            </a:r>
+            <a:endParaRPr lang="fr-FR" dirty="0"/>
+          </a:p>
+        </p:txBody>
+      </p:sp>
+      <p:sp>
+        <p:nvSpPr>
+          <p:cNvPr id="10" name="Espace réservé du contenu 3">
+            <a:extLst>
+              <a:ext uri="{FF2B5EF4-FFF2-40B4-BE49-F238E27FC236}">
+                <a16:creationId xmlns:a16="http://schemas.microsoft.com/office/drawing/2014/main" id="{D4304004-E95C-C7B7-E124-68B9603256B2}"/>
+              </a:ext>
+            </a:extLst>
+          </p:cNvPr>
+          <p:cNvSpPr>
+            <a:spLocks noGrp="1"/>
+          </p:cNvSpPr>
+          <p:nvPr>
+            <p:ph sz="half" idx="2"/>
+          </p:nvPr>
+        </p:nvSpPr>
+        <p:spPr>
+          <a:xfrm>
+            <a:off x="6345936" y="2478024"/>
+            <a:ext cx="4937760" cy="3694176"/>
+          </a:xfrm>
+        </p:spPr>
+        <p:txBody>
+          <a:bodyPr/>
+          <a:lstStyle/>
+          <a:p>
+            <a:r>
+              <a:rPr lang="fr-FR" dirty="0"/>
+              <a:t>Nombres réels</a:t>
+            </a:r>
+          </a:p>
+        </p:txBody>
+      </p:sp>
+      <p:sp>
+        <p:nvSpPr>
+          <p:cNvPr id="13" name="ZoneTexte 12">
+            <a:extLst>
+              <a:ext uri="{FF2B5EF4-FFF2-40B4-BE49-F238E27FC236}">
+                <a16:creationId xmlns:a16="http://schemas.microsoft.com/office/drawing/2014/main" id="{40D21F6F-8DD2-02C4-8E36-7A442B6CF749}"/>
+              </a:ext>
+            </a:extLst>
+          </p:cNvPr>
+          <p:cNvSpPr txBox="1"/>
+          <p:nvPr/>
+        </p:nvSpPr>
+        <p:spPr>
+          <a:xfrm>
+            <a:off x="824860" y="3090446"/>
+            <a:ext cx="4765173" cy="646331"/>
+          </a:xfrm>
+          <a:prstGeom prst="rect">
+            <a:avLst/>
+          </a:prstGeom>
+          <a:solidFill>
+            <a:schemeClr val="accent5">
+              <a:lumMod val="75000"/>
+            </a:schemeClr>
+          </a:solidFill>
+        </p:spPr>
+        <p:txBody>
+          <a:bodyPr wrap="square" rtlCol="0">
+            <a:spAutoFit/>
+          </a:bodyPr>
+          <a:lstStyle/>
+          <a:p>
+            <a:r>
+              <a:rPr lang="fr-FR" b="1" dirty="0">
+                <a:solidFill>
+                  <a:schemeClr val="bg1"/>
+                </a:solidFill>
+              </a:rPr>
+              <a:t>Nombre fini de valeurs </a:t>
+            </a:r>
+            <a:br>
+              <a:rPr lang="fr-FR" b="1" dirty="0">
+                <a:solidFill>
+                  <a:schemeClr val="bg1"/>
+                </a:solidFill>
+              </a:rPr>
+            </a:br>
+            <a:r>
+              <a:rPr lang="fr-FR" b="1" dirty="0">
+                <a:solidFill>
+                  <a:schemeClr val="bg1"/>
+                </a:solidFill>
+              </a:rPr>
+              <a:t>sur un intervalle donné</a:t>
+            </a:r>
+          </a:p>
+        </p:txBody>
+      </p:sp>
+      <p:sp>
+        <p:nvSpPr>
+          <p:cNvPr id="16" name="ZoneTexte 15">
+            <a:extLst>
+              <a:ext uri="{FF2B5EF4-FFF2-40B4-BE49-F238E27FC236}">
+                <a16:creationId xmlns:a16="http://schemas.microsoft.com/office/drawing/2014/main" id="{63CA3CDA-3E7F-DDD8-1281-21064B3FF8D2}"/>
+              </a:ext>
+            </a:extLst>
+          </p:cNvPr>
+          <p:cNvSpPr txBox="1"/>
+          <p:nvPr/>
+        </p:nvSpPr>
+        <p:spPr>
+          <a:xfrm>
+            <a:off x="6344036" y="3090446"/>
+            <a:ext cx="4765173" cy="646331"/>
+          </a:xfrm>
+          <a:prstGeom prst="rect">
+            <a:avLst/>
+          </a:prstGeom>
+          <a:solidFill>
+            <a:schemeClr val="tx2">
+              <a:lumMod val="50000"/>
+              <a:lumOff val="50000"/>
+            </a:schemeClr>
+          </a:solidFill>
+        </p:spPr>
+        <p:txBody>
+          <a:bodyPr wrap="square" rtlCol="0">
+            <a:spAutoFit/>
+          </a:bodyPr>
+          <a:lstStyle/>
+          <a:p>
+            <a:r>
+              <a:rPr lang="fr-FR" b="1" dirty="0">
+                <a:solidFill>
+                  <a:schemeClr val="bg1"/>
+                </a:solidFill>
+              </a:rPr>
+              <a:t>Infinité de valeurs </a:t>
+            </a:r>
+            <a:br>
+              <a:rPr lang="fr-FR" b="1" dirty="0">
+                <a:solidFill>
+                  <a:schemeClr val="bg1"/>
+                </a:solidFill>
+              </a:rPr>
+            </a:br>
+            <a:r>
+              <a:rPr lang="fr-FR" b="1" dirty="0">
+                <a:solidFill>
+                  <a:schemeClr val="bg1"/>
+                </a:solidFill>
+              </a:rPr>
+              <a:t>sur un intervalle donné</a:t>
+            </a:r>
+          </a:p>
+        </p:txBody>
+      </p:sp>
+      <mc:AlternateContent xmlns:mc="http://schemas.openxmlformats.org/markup-compatibility/2006" xmlns:a14="http://schemas.microsoft.com/office/drawing/2010/main">
+        <mc:Choice Requires="a14">
+          <p:sp>
+            <p:nvSpPr>
+              <p:cNvPr id="3" name="ZoneTexte 2">
+                <a:extLst>
+                  <a:ext uri="{FF2B5EF4-FFF2-40B4-BE49-F238E27FC236}">
+                    <a16:creationId xmlns:a16="http://schemas.microsoft.com/office/drawing/2014/main" id="{E59B61E8-D0CF-3F42-B63C-1248A4899F71}"/>
+                  </a:ext>
+                </a:extLst>
+              </p:cNvPr>
+              <p:cNvSpPr txBox="1"/>
+              <p:nvPr/>
+            </p:nvSpPr>
+            <p:spPr>
+              <a:xfrm>
+                <a:off x="1602658" y="3821994"/>
+                <a:ext cx="3987375" cy="369332"/>
+              </a:xfrm>
+              <a:prstGeom prst="rect">
+                <a:avLst/>
+              </a:prstGeom>
+              <a:solidFill>
+                <a:schemeClr val="tx2">
+                  <a:lumMod val="25000"/>
+                  <a:lumOff val="75000"/>
+                </a:schemeClr>
+              </a:solidFill>
+            </p:spPr>
+            <p:txBody>
+              <a:bodyPr wrap="square" rtlCol="0">
+                <a:spAutoFit/>
+              </a:bodyPr>
+              <a:lstStyle/>
+              <a:p>
+                <a:r>
+                  <a:rPr lang="fr-FR" i="1" dirty="0"/>
+                  <a:t>Sur N bits : </a:t>
+                </a:r>
+                <a14:m>
+                  <m:oMath xmlns:m="http://schemas.openxmlformats.org/officeDocument/2006/math">
+                    <m:sSup>
+                      <m:sSupPr>
+                        <m:ctrlPr>
+                          <a:rPr lang="fr-FR" i="1" smtClean="0">
+                            <a:latin typeface="Cambria Math" panose="02040503050406030204" pitchFamily="18" charset="0"/>
+                          </a:rPr>
+                        </m:ctrlPr>
+                      </m:sSupPr>
+                      <m:e>
+                        <m:r>
+                          <a:rPr lang="fr-FR" b="0" i="1" smtClean="0">
+                            <a:latin typeface="Cambria Math" panose="02040503050406030204" pitchFamily="18" charset="0"/>
+                          </a:rPr>
+                          <m:t>2</m:t>
+                        </m:r>
+                      </m:e>
+                      <m:sup>
+                        <m:r>
+                          <a:rPr lang="fr-FR" b="0" i="1" smtClean="0">
+                            <a:latin typeface="Cambria Math" panose="02040503050406030204" pitchFamily="18" charset="0"/>
+                          </a:rPr>
+                          <m:t>𝑁</m:t>
+                        </m:r>
+                      </m:sup>
+                    </m:sSup>
+                  </m:oMath>
+                </a14:m>
+                <a:r>
+                  <a:rPr lang="fr-FR" i="1" dirty="0"/>
+                  <a:t> combinaisons</a:t>
+                </a:r>
+              </a:p>
+            </p:txBody>
+          </p:sp>
+        </mc:Choice>
+        <mc:Fallback xmlns="">
+          <p:sp>
+            <p:nvSpPr>
+              <p:cNvPr id="3" name="ZoneTexte 2">
+                <a:extLst>
+                  <a:ext uri="{FF2B5EF4-FFF2-40B4-BE49-F238E27FC236}">
+                    <a16:creationId xmlns:a16="http://schemas.microsoft.com/office/drawing/2014/main" id="{E59B61E8-D0CF-3F42-B63C-1248A4899F71}"/>
+                  </a:ext>
+                </a:extLst>
+              </p:cNvPr>
+              <p:cNvSpPr txBox="1">
+                <a:spLocks noRot="1" noChangeAspect="1" noMove="1" noResize="1" noEditPoints="1" noAdjustHandles="1" noChangeArrowheads="1" noChangeShapeType="1" noTextEdit="1"/>
+              </p:cNvSpPr>
+              <p:nvPr/>
+            </p:nvSpPr>
+            <p:spPr>
+              <a:xfrm>
+                <a:off x="1602658" y="3821994"/>
+                <a:ext cx="3987375" cy="369332"/>
+              </a:xfrm>
+              <a:prstGeom prst="rect">
+                <a:avLst/>
+              </a:prstGeom>
+              <a:blipFill>
+                <a:blip r:embed="rId6"/>
+                <a:stretch>
+                  <a:fillRect l="-1376" t="-8197" b="-26230"/>
                 </a:stretch>
               </a:blipFill>
             </p:spPr>
@@ -11988,251 +12972,12 @@
           </a:p>
         </p:txBody>
       </p:sp>
-    </p:spTree>
-    <p:extLst>
-      <p:ext uri="{BB962C8B-B14F-4D97-AF65-F5344CB8AC3E}">
-        <p14:creationId xmlns:p14="http://schemas.microsoft.com/office/powerpoint/2010/main" val="3416631612"/>
-      </p:ext>
-    </p:extLst>
-  </p:cSld>
-  <p:clrMapOvr>
-    <a:masterClrMapping/>
-  </p:clrMapOvr>
-</p:sld>
-</file>
-
-<file path=ppt/slides/slide17.xml><?xml version="1.0" encoding="utf-8"?>
-<p:sld xmlns:a="http://schemas.openxmlformats.org/drawingml/2006/main" xmlns:r="http://schemas.openxmlformats.org/officeDocument/2006/relationships" xmlns:p="http://schemas.openxmlformats.org/presentationml/2006/main">
-  <p:cSld>
-    <p:bg>
-      <p:bgPr>
-        <a:solidFill>
-          <a:schemeClr val="bg1">
-            <a:lumMod val="95000"/>
-          </a:schemeClr>
-        </a:solidFill>
-        <a:effectLst/>
-      </p:bgPr>
-    </p:bg>
-    <p:spTree>
-      <p:nvGrpSpPr>
-        <p:cNvPr id="1" name=""/>
-        <p:cNvGrpSpPr/>
-        <p:nvPr/>
-      </p:nvGrpSpPr>
-      <p:grpSpPr>
-        <a:xfrm>
-          <a:off x="0" y="0"/>
-          <a:ext cx="0" cy="0"/>
-          <a:chOff x="0" y="0"/>
-          <a:chExt cx="0" cy="0"/>
-        </a:xfrm>
-      </p:grpSpPr>
-      <p:sp>
-        <p:nvSpPr>
-          <p:cNvPr id="2" name="Titre 1">
-            <a:extLst>
-              <a:ext uri="{FF2B5EF4-FFF2-40B4-BE49-F238E27FC236}">
-                <a16:creationId xmlns:a16="http://schemas.microsoft.com/office/drawing/2014/main" id="{90162AE8-C1B0-5C56-8313-DEE494F38273}"/>
-              </a:ext>
-            </a:extLst>
-          </p:cNvPr>
-          <p:cNvSpPr>
-            <a:spLocks noGrp="1"/>
-          </p:cNvSpPr>
-          <p:nvPr>
-            <p:ph type="title"/>
-          </p:nvPr>
-        </p:nvSpPr>
-        <p:spPr/>
-        <p:txBody>
-          <a:bodyPr/>
-          <a:lstStyle/>
-          <a:p>
-            <a:r>
-              <a:rPr lang="fr-FR" dirty="0"/>
-              <a:t>Codage des informations en machine</a:t>
-            </a:r>
-          </a:p>
-        </p:txBody>
-      </p:sp>
-      <p:pic>
-        <p:nvPicPr>
-          <p:cNvPr id="5" name="Image 4" descr="Une image contenant texte&#10;&#10;Description générée automatiquement">
-            <a:extLst>
-              <a:ext uri="{FF2B5EF4-FFF2-40B4-BE49-F238E27FC236}">
-                <a16:creationId xmlns:a16="http://schemas.microsoft.com/office/drawing/2014/main" id="{66D2630B-81F4-A4EB-21BA-8B90CF30BD92}"/>
-              </a:ext>
-            </a:extLst>
-          </p:cNvPr>
-          <p:cNvPicPr>
-            <a:picLocks noChangeAspect="1"/>
-          </p:cNvPicPr>
-          <p:nvPr/>
-        </p:nvPicPr>
-        <p:blipFill>
-          <a:blip r:embed="rId3">
-            <a:extLst>
-              <a:ext uri="{28A0092B-C50C-407E-A947-70E740481C1C}">
-                <a14:useLocalDpi xmlns:a14="http://schemas.microsoft.com/office/drawing/2010/main" val="0"/>
-              </a:ext>
-            </a:extLst>
-          </a:blip>
-          <a:stretch>
-            <a:fillRect/>
-          </a:stretch>
-        </p:blipFill>
-        <p:spPr>
-          <a:xfrm>
-            <a:off x="202922" y="5934456"/>
-            <a:ext cx="1825291" cy="749808"/>
-          </a:xfrm>
-          <a:prstGeom prst="rect">
-            <a:avLst/>
-          </a:prstGeom>
-        </p:spPr>
-      </p:pic>
-      <p:sp>
-        <p:nvSpPr>
-          <p:cNvPr id="4" name="Espace réservé du numéro de diapositive 3">
-            <a:extLst>
-              <a:ext uri="{FF2B5EF4-FFF2-40B4-BE49-F238E27FC236}">
-                <a16:creationId xmlns:a16="http://schemas.microsoft.com/office/drawing/2014/main" id="{B7C60569-E347-D5FA-457F-6F630CD86C7B}"/>
-              </a:ext>
-            </a:extLst>
-          </p:cNvPr>
-          <p:cNvSpPr>
-            <a:spLocks noGrp="1"/>
-          </p:cNvSpPr>
-          <p:nvPr>
-            <p:ph type="sldNum" sz="quarter" idx="12"/>
-          </p:nvPr>
-        </p:nvSpPr>
-        <p:spPr/>
-        <p:txBody>
-          <a:bodyPr/>
-          <a:lstStyle/>
-          <a:p>
-            <a:fld id="{B2DC25EE-239B-4C5F-AAD1-255A7D5F1EE2}" type="slidenum">
-              <a:rPr lang="en-US" smtClean="0"/>
-              <a:t>17</a:t>
-            </a:fld>
-            <a:endParaRPr lang="en-US"/>
-          </a:p>
-        </p:txBody>
-      </p:sp>
-      <p:pic>
-        <p:nvPicPr>
-          <p:cNvPr id="8" name="Graphique 7" descr="Ordinateur avec un remplissage uni">
-            <a:extLst>
-              <a:ext uri="{FF2B5EF4-FFF2-40B4-BE49-F238E27FC236}">
-                <a16:creationId xmlns:a16="http://schemas.microsoft.com/office/drawing/2014/main" id="{204EAE7A-A5AE-6CFE-7995-58804D352D63}"/>
-              </a:ext>
-            </a:extLst>
-          </p:cNvPr>
-          <p:cNvPicPr>
-            <a:picLocks noChangeAspect="1"/>
-          </p:cNvPicPr>
-          <p:nvPr/>
-        </p:nvPicPr>
-        <p:blipFill>
-          <a:blip r:embed="rId4">
-            <a:extLst>
-              <a:ext uri="{28A0092B-C50C-407E-A947-70E740481C1C}">
-                <a14:useLocalDpi xmlns:a14="http://schemas.microsoft.com/office/drawing/2010/main" val="0"/>
-              </a:ext>
-              <a:ext uri="{96DAC541-7B7A-43D3-8B79-37D633B846F1}">
-                <asvg:svgBlip xmlns:asvg="http://schemas.microsoft.com/office/drawing/2016/SVG/main" r:embed="rId5"/>
-              </a:ext>
-            </a:extLst>
-          </a:blip>
-          <a:stretch>
-            <a:fillRect/>
-          </a:stretch>
-        </p:blipFill>
-        <p:spPr>
-          <a:xfrm>
-            <a:off x="10712442" y="1167532"/>
-            <a:ext cx="727980" cy="727980"/>
-          </a:xfrm>
-          <a:prstGeom prst="rect">
-            <a:avLst/>
-          </a:prstGeom>
-        </p:spPr>
-      </p:pic>
-      <p:sp>
-        <p:nvSpPr>
-          <p:cNvPr id="9" name="Espace réservé du contenu 2">
-            <a:extLst>
-              <a:ext uri="{FF2B5EF4-FFF2-40B4-BE49-F238E27FC236}">
-                <a16:creationId xmlns:a16="http://schemas.microsoft.com/office/drawing/2014/main" id="{1C125B2B-11F4-22C8-B190-675190C0EAB6}"/>
-              </a:ext>
-            </a:extLst>
-          </p:cNvPr>
-          <p:cNvSpPr>
-            <a:spLocks noGrp="1"/>
-          </p:cNvSpPr>
-          <p:nvPr>
-            <p:ph sz="half" idx="1"/>
-          </p:nvPr>
-        </p:nvSpPr>
-        <p:spPr>
-          <a:xfrm>
-            <a:off x="1115568" y="2478024"/>
-            <a:ext cx="4937760" cy="3694176"/>
-          </a:xfrm>
-        </p:spPr>
-        <p:txBody>
-          <a:bodyPr/>
-          <a:lstStyle/>
-          <a:p>
-            <a:r>
-              <a:rPr lang="fr-FR"/>
-              <a:t>Nombres entiers</a:t>
-            </a:r>
-            <a:endParaRPr lang="fr-FR" dirty="0"/>
-          </a:p>
-        </p:txBody>
-      </p:sp>
-      <p:sp>
-        <p:nvSpPr>
-          <p:cNvPr id="10" name="Espace réservé du contenu 3">
-            <a:extLst>
-              <a:ext uri="{FF2B5EF4-FFF2-40B4-BE49-F238E27FC236}">
-                <a16:creationId xmlns:a16="http://schemas.microsoft.com/office/drawing/2014/main" id="{D4304004-E95C-C7B7-E124-68B9603256B2}"/>
-              </a:ext>
-            </a:extLst>
-          </p:cNvPr>
-          <p:cNvSpPr>
-            <a:spLocks noGrp="1"/>
-          </p:cNvSpPr>
-          <p:nvPr>
-            <p:ph sz="half" idx="2"/>
-          </p:nvPr>
-        </p:nvSpPr>
-        <p:spPr>
-          <a:xfrm>
-            <a:off x="6345936" y="2478024"/>
-            <a:ext cx="4937760" cy="3694176"/>
-          </a:xfrm>
-        </p:spPr>
-        <p:txBody>
-          <a:bodyPr/>
-          <a:lstStyle/>
-          <a:p>
-            <a:r>
-              <a:rPr lang="fr-FR" dirty="0"/>
-              <a:t>Nombres réels</a:t>
-            </a:r>
-          </a:p>
-        </p:txBody>
-      </p:sp>
-      <p:sp>
-        <p:nvSpPr>
-          <p:cNvPr id="13" name="ZoneTexte 12">
-            <a:extLst>
-              <a:ext uri="{FF2B5EF4-FFF2-40B4-BE49-F238E27FC236}">
-                <a16:creationId xmlns:a16="http://schemas.microsoft.com/office/drawing/2014/main" id="{40D21F6F-8DD2-02C4-8E36-7A442B6CF749}"/>
+      <p:sp>
+        <p:nvSpPr>
+          <p:cNvPr id="11" name="ZoneTexte 10">
+            <a:extLst>
+              <a:ext uri="{FF2B5EF4-FFF2-40B4-BE49-F238E27FC236}">
+                <a16:creationId xmlns:a16="http://schemas.microsoft.com/office/drawing/2014/main" id="{8AA5AA59-00EF-D1AD-24C4-F5EFAE4FC449}"/>
               </a:ext>
             </a:extLst>
           </p:cNvPr>
@@ -12241,74 +12986,16 @@
         </p:nvSpPr>
         <p:spPr>
           <a:xfrm>
-            <a:off x="824860" y="3090446"/>
-            <a:ext cx="4765173" cy="646331"/>
-          </a:xfrm>
-          <a:prstGeom prst="rect">
-            <a:avLst/>
-          </a:prstGeom>
-          <a:solidFill>
-            <a:schemeClr val="accent5">
-              <a:lumMod val="75000"/>
-            </a:schemeClr>
-          </a:solidFill>
-        </p:spPr>
-        <p:txBody>
-          <a:bodyPr wrap="square" rtlCol="0">
-            <a:spAutoFit/>
-          </a:bodyPr>
-          <a:lstStyle/>
-          <a:p>
-            <a:r>
-              <a:rPr lang="fr-FR" b="1" dirty="0">
-                <a:solidFill>
-                  <a:schemeClr val="bg1"/>
-                </a:solidFill>
-              </a:rPr>
-              <a:t>Nombre fini de valeurs </a:t>
-            </a:r>
-            <a:br>
-              <a:rPr lang="fr-FR" b="1" dirty="0">
-                <a:solidFill>
-                  <a:schemeClr val="bg1"/>
-                </a:solidFill>
-              </a:rPr>
-            </a:br>
-            <a:r>
-              <a:rPr lang="fr-FR" b="1" dirty="0">
-                <a:solidFill>
-                  <a:schemeClr val="bg1"/>
-                </a:solidFill>
-              </a:rPr>
-              <a:t>sur un intervalle donné</a:t>
-            </a:r>
-          </a:p>
-        </p:txBody>
-      </p:sp>
-      <p:sp>
-        <p:nvSpPr>
-          <p:cNvPr id="16" name="ZoneTexte 15">
-            <a:extLst>
-              <a:ext uri="{FF2B5EF4-FFF2-40B4-BE49-F238E27FC236}">
-                <a16:creationId xmlns:a16="http://schemas.microsoft.com/office/drawing/2014/main" id="{63CA3CDA-3E7F-DDD8-1281-21064B3FF8D2}"/>
-              </a:ext>
-            </a:extLst>
-          </p:cNvPr>
-          <p:cNvSpPr txBox="1"/>
-          <p:nvPr/>
-        </p:nvSpPr>
-        <p:spPr>
-          <a:xfrm>
-            <a:off x="6344036" y="3090446"/>
-            <a:ext cx="4765173" cy="646331"/>
+            <a:off x="7121834" y="3821994"/>
+            <a:ext cx="3987375" cy="369332"/>
           </a:xfrm>
           <a:prstGeom prst="rect">
             <a:avLst/>
           </a:prstGeom>
           <a:solidFill>
             <a:schemeClr val="tx2">
-              <a:lumMod val="50000"/>
-              <a:lumOff val="50000"/>
+              <a:lumMod val="25000"/>
+              <a:lumOff val="75000"/>
             </a:schemeClr>
           </a:solidFill>
         </p:spPr>
@@ -12319,160 +13006,144 @@
           <a:lstStyle/>
           <a:p>
             <a:r>
-              <a:rPr lang="fr-FR" b="1" dirty="0">
+              <a:rPr lang="fr-FR" i="1" dirty="0"/>
+              <a:t>Normalisation des informations</a:t>
+            </a:r>
+          </a:p>
+        </p:txBody>
+      </p:sp>
+      <p:sp>
+        <p:nvSpPr>
+          <p:cNvPr id="18" name="ZoneTexte 17">
+            <a:extLst>
+              <a:ext uri="{FF2B5EF4-FFF2-40B4-BE49-F238E27FC236}">
+                <a16:creationId xmlns:a16="http://schemas.microsoft.com/office/drawing/2014/main" id="{22B4BB14-D66D-B3F4-32F8-9F0B09E92775}"/>
+              </a:ext>
+            </a:extLst>
+          </p:cNvPr>
+          <p:cNvSpPr txBox="1"/>
+          <p:nvPr/>
+        </p:nvSpPr>
+        <p:spPr>
+          <a:xfrm>
+            <a:off x="7142767" y="4259702"/>
+            <a:ext cx="3987375" cy="369332"/>
+          </a:xfrm>
+          <a:prstGeom prst="rect">
+            <a:avLst/>
+          </a:prstGeom>
+          <a:noFill/>
+        </p:spPr>
+        <p:txBody>
+          <a:bodyPr wrap="square">
+            <a:spAutoFit/>
+          </a:bodyPr>
+          <a:lstStyle/>
+          <a:p>
+            <a:r>
+              <a:rPr lang="fr-FR" b="0" i="0" dirty="0">
                 <a:solidFill>
-                  <a:schemeClr val="bg1"/>
+                  <a:srgbClr val="202122"/>
                 </a:solidFill>
+                <a:effectLst/>
+                <a:latin typeface="Arial" panose="020B0604020202020204" pitchFamily="34" charset="0"/>
               </a:rPr>
-              <a:t>Infinité de valeurs </a:t>
-            </a:r>
-            <a:br>
-              <a:rPr lang="fr-FR" b="1" dirty="0">
-                <a:solidFill>
-                  <a:schemeClr val="bg1"/>
-                </a:solidFill>
-              </a:rPr>
-            </a:br>
-            <a:r>
-              <a:rPr lang="fr-FR" b="1" dirty="0">
-                <a:solidFill>
-                  <a:schemeClr val="bg1"/>
-                </a:solidFill>
-              </a:rPr>
-              <a:t>sur un intervalle donné</a:t>
-            </a:r>
-          </a:p>
-        </p:txBody>
-      </p:sp>
-      <mc:AlternateContent xmlns:mc="http://schemas.openxmlformats.org/markup-compatibility/2006" xmlns:a14="http://schemas.microsoft.com/office/drawing/2010/main">
-        <mc:Choice Requires="a14">
+              <a:t>IEEE 754, datant de 1985</a:t>
+            </a:r>
+            <a:endParaRPr lang="fr-FR" dirty="0"/>
+          </a:p>
+        </p:txBody>
+      </p:sp>
+      <p:sp>
+        <p:nvSpPr>
+          <p:cNvPr id="22" name="ZoneTexte 21">
+            <a:extLst>
+              <a:ext uri="{FF2B5EF4-FFF2-40B4-BE49-F238E27FC236}">
+                <a16:creationId xmlns:a16="http://schemas.microsoft.com/office/drawing/2014/main" id="{B1E102A6-CED5-EC7E-8C1E-CC41FF59B2CA}"/>
+              </a:ext>
+            </a:extLst>
+          </p:cNvPr>
+          <p:cNvSpPr txBox="1"/>
+          <p:nvPr/>
+        </p:nvSpPr>
+        <p:spPr>
+          <a:xfrm>
+            <a:off x="7121834" y="4864188"/>
+            <a:ext cx="3987375" cy="369332"/>
+          </a:xfrm>
+          <a:prstGeom prst="rect">
+            <a:avLst/>
+          </a:prstGeom>
+          <a:solidFill>
+            <a:schemeClr val="tx2">
+              <a:lumMod val="25000"/>
+              <a:lumOff val="75000"/>
+            </a:schemeClr>
+          </a:solidFill>
+        </p:spPr>
+        <p:txBody>
+          <a:bodyPr wrap="square" rtlCol="0">
+            <a:spAutoFit/>
+          </a:bodyPr>
+          <a:lstStyle/>
+          <a:p>
+            <a:pPr algn="r"/>
+            <a:r>
+              <a:rPr lang="fr-FR" i="1" dirty="0"/>
+              <a:t>Simple précision : 32 bits</a:t>
+            </a:r>
+          </a:p>
+        </p:txBody>
+      </p:sp>
+      <p:sp>
+        <p:nvSpPr>
+          <p:cNvPr id="24" name="ZoneTexte 23">
+            <a:extLst>
+              <a:ext uri="{FF2B5EF4-FFF2-40B4-BE49-F238E27FC236}">
+                <a16:creationId xmlns:a16="http://schemas.microsoft.com/office/drawing/2014/main" id="{D79FD8BC-E976-CC85-E751-A537F6110F7F}"/>
+              </a:ext>
+            </a:extLst>
+          </p:cNvPr>
+          <p:cNvSpPr txBox="1"/>
+          <p:nvPr/>
+        </p:nvSpPr>
+        <p:spPr>
+          <a:xfrm>
+            <a:off x="7142767" y="5321136"/>
+            <a:ext cx="3987375" cy="369332"/>
+          </a:xfrm>
+          <a:prstGeom prst="rect">
+            <a:avLst/>
+          </a:prstGeom>
+          <a:solidFill>
+            <a:schemeClr val="tx2">
+              <a:lumMod val="25000"/>
+              <a:lumOff val="75000"/>
+            </a:schemeClr>
+          </a:solidFill>
+        </p:spPr>
+        <p:txBody>
+          <a:bodyPr wrap="square" rtlCol="0">
+            <a:spAutoFit/>
+          </a:bodyPr>
+          <a:lstStyle/>
+          <a:p>
+            <a:pPr algn="r"/>
+            <a:r>
+              <a:rPr lang="fr-FR" i="1" dirty="0"/>
+              <a:t>Double précision : 64 bits</a:t>
+            </a:r>
+          </a:p>
+        </p:txBody>
+      </p:sp>
+      <mc:AlternateContent xmlns:mc="http://schemas.openxmlformats.org/markup-compatibility/2006">
+        <mc:Choice xmlns:a14="http://schemas.microsoft.com/office/drawing/2010/main" Requires="a14">
           <p:sp>
             <p:nvSpPr>
-              <p:cNvPr id="3" name="ZoneTexte 2">
+              <p:cNvPr id="15" name="ZoneTexte 14">
                 <a:extLst>
                   <a:ext uri="{FF2B5EF4-FFF2-40B4-BE49-F238E27FC236}">
-                    <a16:creationId xmlns:a16="http://schemas.microsoft.com/office/drawing/2014/main" id="{E59B61E8-D0CF-3F42-B63C-1248A4899F71}"/>
-                  </a:ext>
-                </a:extLst>
-              </p:cNvPr>
-              <p:cNvSpPr txBox="1"/>
-              <p:nvPr/>
-            </p:nvSpPr>
-            <p:spPr>
-              <a:xfrm>
-                <a:off x="1602658" y="3821994"/>
-                <a:ext cx="3987375" cy="369332"/>
-              </a:xfrm>
-              <a:prstGeom prst="rect">
-                <a:avLst/>
-              </a:prstGeom>
-              <a:solidFill>
-                <a:schemeClr val="tx2">
-                  <a:lumMod val="25000"/>
-                  <a:lumOff val="75000"/>
-                </a:schemeClr>
-              </a:solidFill>
-            </p:spPr>
-            <p:txBody>
-              <a:bodyPr wrap="square" rtlCol="0">
-                <a:spAutoFit/>
-              </a:bodyPr>
-              <a:lstStyle/>
-              <a:p>
-                <a:r>
-                  <a:rPr lang="fr-FR" i="1" dirty="0"/>
-                  <a:t>Sur N bits : </a:t>
-                </a:r>
-                <a14:m>
-                  <m:oMath xmlns:m="http://schemas.openxmlformats.org/officeDocument/2006/math">
-                    <m:sSup>
-                      <m:sSupPr>
-                        <m:ctrlPr>
-                          <a:rPr lang="fr-FR" i="1" smtClean="0">
-                            <a:latin typeface="Cambria Math" panose="02040503050406030204" pitchFamily="18" charset="0"/>
-                          </a:rPr>
-                        </m:ctrlPr>
-                      </m:sSupPr>
-                      <m:e>
-                        <m:r>
-                          <a:rPr lang="fr-FR" b="0" i="1" smtClean="0">
-                            <a:latin typeface="Cambria Math" panose="02040503050406030204" pitchFamily="18" charset="0"/>
-                          </a:rPr>
-                          <m:t>2</m:t>
-                        </m:r>
-                      </m:e>
-                      <m:sup>
-                        <m:r>
-                          <a:rPr lang="fr-FR" b="0" i="1" smtClean="0">
-                            <a:latin typeface="Cambria Math" panose="02040503050406030204" pitchFamily="18" charset="0"/>
-                          </a:rPr>
-                          <m:t>𝑁</m:t>
-                        </m:r>
-                      </m:sup>
-                    </m:sSup>
-                  </m:oMath>
-                </a14:m>
-                <a:r>
-                  <a:rPr lang="fr-FR" i="1" dirty="0"/>
-                  <a:t> combinaisons</a:t>
-                </a:r>
-              </a:p>
-            </p:txBody>
-          </p:sp>
-        </mc:Choice>
-        <mc:Fallback xmlns="">
-          <p:sp>
-            <p:nvSpPr>
-              <p:cNvPr id="3" name="ZoneTexte 2">
-                <a:extLst>
-                  <a:ext uri="{FF2B5EF4-FFF2-40B4-BE49-F238E27FC236}">
-                    <a16:creationId xmlns:a16="http://schemas.microsoft.com/office/drawing/2014/main" id="{E59B61E8-D0CF-3F42-B63C-1248A4899F71}"/>
-                  </a:ext>
-                </a:extLst>
-              </p:cNvPr>
-              <p:cNvSpPr txBox="1">
-                <a:spLocks noRot="1" noChangeAspect="1" noMove="1" noResize="1" noEditPoints="1" noAdjustHandles="1" noChangeArrowheads="1" noChangeShapeType="1" noTextEdit="1"/>
-              </p:cNvSpPr>
-              <p:nvPr/>
-            </p:nvSpPr>
-            <p:spPr>
-              <a:xfrm>
-                <a:off x="1602658" y="3821994"/>
-                <a:ext cx="3987375" cy="369332"/>
-              </a:xfrm>
-              <a:prstGeom prst="rect">
-                <a:avLst/>
-              </a:prstGeom>
-              <a:blipFill>
-                <a:blip r:embed="rId6"/>
-                <a:stretch>
-                  <a:fillRect l="-1376" t="-8197" b="-26230"/>
-                </a:stretch>
-              </a:blipFill>
-            </p:spPr>
-            <p:txBody>
-              <a:bodyPr/>
-              <a:lstStyle/>
-              <a:p>
-                <a:r>
-                  <a:rPr lang="fr-FR">
-                    <a:noFill/>
-                  </a:rPr>
-                  <a:t> </a:t>
-                </a:r>
-              </a:p>
-            </p:txBody>
-          </p:sp>
-        </mc:Fallback>
-      </mc:AlternateContent>
-      <mc:AlternateContent xmlns:mc="http://schemas.openxmlformats.org/markup-compatibility/2006" xmlns:a14="http://schemas.microsoft.com/office/drawing/2010/main">
-        <mc:Choice Requires="a14">
-          <p:sp>
-            <p:nvSpPr>
-              <p:cNvPr id="6" name="ZoneTexte 5">
-                <a:extLst>
-                  <a:ext uri="{FF2B5EF4-FFF2-40B4-BE49-F238E27FC236}">
-                    <a16:creationId xmlns:a16="http://schemas.microsoft.com/office/drawing/2014/main" id="{7413A552-37A8-3307-9961-C6CB27A4CFCB}"/>
+                    <a16:creationId xmlns:a16="http://schemas.microsoft.com/office/drawing/2014/main" id="{AAAFB85E-552D-5F63-87A4-5120DB1F9649}"/>
                   </a:ext>
                 </a:extLst>
               </p:cNvPr>
@@ -12537,19 +13208,27 @@
                 </a14:m>
                 <a:r>
                   <a:rPr lang="fr-FR" i="1" dirty="0"/>
-                  <a:t>entiers naturels de 0 à N-1</a:t>
+                  <a:t>entiers naturels de 0 à 2</a:t>
+                </a:r>
+                <a:r>
+                  <a:rPr lang="fr-FR" i="1" baseline="30000" dirty="0"/>
+                  <a:t>N</a:t>
+                </a:r>
+                <a:r>
+                  <a:rPr lang="fr-FR" i="1" dirty="0"/>
+                  <a:t>-1</a:t>
                 </a:r>
               </a:p>
             </p:txBody>
           </p:sp>
         </mc:Choice>
-        <mc:Fallback xmlns="">
+        <mc:Fallback>
           <p:sp>
             <p:nvSpPr>
-              <p:cNvPr id="6" name="ZoneTexte 5">
+              <p:cNvPr id="15" name="ZoneTexte 14">
                 <a:extLst>
                   <a:ext uri="{FF2B5EF4-FFF2-40B4-BE49-F238E27FC236}">
-                    <a16:creationId xmlns:a16="http://schemas.microsoft.com/office/drawing/2014/main" id="{7413A552-37A8-3307-9961-C6CB27A4CFCB}"/>
+                    <a16:creationId xmlns:a16="http://schemas.microsoft.com/office/drawing/2014/main" id="{AAAFB85E-552D-5F63-87A4-5120DB1F9649}"/>
                   </a:ext>
                 </a:extLst>
               </p:cNvPr>
@@ -12567,7 +13246,7 @@
                 <a:avLst/>
               </a:prstGeom>
               <a:blipFill>
-                <a:blip r:embed="rId7"/>
+                <a:blip r:embed="rId11"/>
                 <a:stretch>
                   <a:fillRect t="-8333" b="-28333"/>
                 </a:stretch>
@@ -12588,14 +13267,14 @@
           </p:sp>
         </mc:Fallback>
       </mc:AlternateContent>
-      <mc:AlternateContent xmlns:mc="http://schemas.openxmlformats.org/markup-compatibility/2006" xmlns:a14="http://schemas.microsoft.com/office/drawing/2010/main">
-        <mc:Choice Requires="a14">
+      <mc:AlternateContent xmlns:mc="http://schemas.openxmlformats.org/markup-compatibility/2006">
+        <mc:Choice xmlns:a14="http://schemas.microsoft.com/office/drawing/2010/main" Requires="a14">
           <p:sp>
             <p:nvSpPr>
-              <p:cNvPr id="7" name="ZoneTexte 6">
+              <p:cNvPr id="23" name="ZoneTexte 22">
                 <a:extLst>
                   <a:ext uri="{FF2B5EF4-FFF2-40B4-BE49-F238E27FC236}">
-                    <a16:creationId xmlns:a16="http://schemas.microsoft.com/office/drawing/2014/main" id="{769549EB-74DF-F9CF-BBEC-3764917B8771}"/>
+                    <a16:creationId xmlns:a16="http://schemas.microsoft.com/office/drawing/2014/main" id="{1EDB642D-F519-CA2F-FA5D-B5D88445A544}"/>
                   </a:ext>
                 </a:extLst>
               </p:cNvPr>
@@ -12660,19 +13339,35 @@
                 </a14:m>
                 <a:r>
                   <a:rPr lang="fr-FR" i="1" dirty="0"/>
-                  <a:t>entiers relatifs de -N/2 à N/2-1</a:t>
+                  <a:t>entiers relatifs de -2</a:t>
+                </a:r>
+                <a:r>
+                  <a:rPr lang="fr-FR" i="1" baseline="30000" dirty="0"/>
+                  <a:t>N-1</a:t>
+                </a:r>
+                <a:r>
+                  <a:rPr lang="fr-FR" i="1" dirty="0"/>
+                  <a:t> à 2</a:t>
+                </a:r>
+                <a:r>
+                  <a:rPr lang="fr-FR" i="1" baseline="30000" dirty="0"/>
+                  <a:t>N-1</a:t>
+                </a:r>
+                <a:r>
+                  <a:rPr lang="fr-FR" i="1" dirty="0"/>
+                  <a:t>-1</a:t>
                 </a:r>
               </a:p>
             </p:txBody>
           </p:sp>
         </mc:Choice>
-        <mc:Fallback xmlns="">
+        <mc:Fallback>
           <p:sp>
             <p:nvSpPr>
-              <p:cNvPr id="7" name="ZoneTexte 6">
+              <p:cNvPr id="23" name="ZoneTexte 22">
                 <a:extLst>
                   <a:ext uri="{FF2B5EF4-FFF2-40B4-BE49-F238E27FC236}">
-                    <a16:creationId xmlns:a16="http://schemas.microsoft.com/office/drawing/2014/main" id="{769549EB-74DF-F9CF-BBEC-3764917B8771}"/>
+                    <a16:creationId xmlns:a16="http://schemas.microsoft.com/office/drawing/2014/main" id="{1EDB642D-F519-CA2F-FA5D-B5D88445A544}"/>
                   </a:ext>
                 </a:extLst>
               </p:cNvPr>
@@ -12690,7 +13385,7 @@
                 <a:avLst/>
               </a:prstGeom>
               <a:blipFill>
-                <a:blip r:embed="rId8"/>
+                <a:blip r:embed="rId12"/>
                 <a:stretch>
                   <a:fillRect t="-6557" b="-26230"/>
                 </a:stretch>
@@ -12711,628 +13406,6 @@
           </p:sp>
         </mc:Fallback>
       </mc:AlternateContent>
-      <mc:AlternateContent xmlns:mc="http://schemas.openxmlformats.org/markup-compatibility/2006" xmlns:a14="http://schemas.microsoft.com/office/drawing/2010/main">
-        <mc:Choice Requires="a14">
-          <p:sp>
-            <p:nvSpPr>
-              <p:cNvPr id="12" name="ZoneTexte 11">
-                <a:extLst>
-                  <a:ext uri="{FF2B5EF4-FFF2-40B4-BE49-F238E27FC236}">
-                    <a16:creationId xmlns:a16="http://schemas.microsoft.com/office/drawing/2014/main" id="{BA99C4F1-B251-3AEA-42BF-0C72D4C08923}"/>
-                  </a:ext>
-                </a:extLst>
-              </p:cNvPr>
-              <p:cNvSpPr txBox="1"/>
-              <p:nvPr/>
-            </p:nvSpPr>
-            <p:spPr>
-              <a:xfrm>
-                <a:off x="1809135" y="4725867"/>
-                <a:ext cx="3893575" cy="369332"/>
-              </a:xfrm>
-              <a:prstGeom prst="rect">
-                <a:avLst/>
-              </a:prstGeom>
-              <a:noFill/>
-            </p:spPr>
-            <p:txBody>
-              <a:bodyPr wrap="square">
-                <a:spAutoFit/>
-              </a:bodyPr>
-              <a:lstStyle/>
-              <a:p>
-                <a:r>
-                  <a:rPr lang="fr-FR" i="1" dirty="0"/>
-                  <a:t>0b 1011 </a:t>
-                </a:r>
-                <a:r>
-                  <a:rPr lang="fr-FR" b="1" i="1" dirty="0"/>
-                  <a:t>= </a:t>
-                </a:r>
-                <a14:m>
-                  <m:oMath xmlns:m="http://schemas.openxmlformats.org/officeDocument/2006/math">
-                    <m:sSup>
-                      <m:sSupPr>
-                        <m:ctrlPr>
-                          <a:rPr lang="fr-FR" i="1" smtClean="0">
-                            <a:latin typeface="Cambria Math" panose="02040503050406030204" pitchFamily="18" charset="0"/>
-                          </a:rPr>
-                        </m:ctrlPr>
-                      </m:sSupPr>
-                      <m:e>
-                        <m:r>
-                          <a:rPr lang="fr-FR" b="0" i="1" smtClean="0">
-                            <a:latin typeface="Cambria Math" panose="02040503050406030204" pitchFamily="18" charset="0"/>
-                          </a:rPr>
-                          <m:t>1.2</m:t>
-                        </m:r>
-                      </m:e>
-                      <m:sup>
-                        <m:r>
-                          <a:rPr lang="fr-FR" b="0" i="1" smtClean="0">
-                            <a:latin typeface="Cambria Math" panose="02040503050406030204" pitchFamily="18" charset="0"/>
-                          </a:rPr>
-                          <m:t>3</m:t>
-                        </m:r>
-                      </m:sup>
-                    </m:sSup>
-                    <m:r>
-                      <a:rPr lang="fr-FR" b="0" i="1" smtClean="0">
-                        <a:latin typeface="Cambria Math" panose="02040503050406030204" pitchFamily="18" charset="0"/>
-                      </a:rPr>
-                      <m:t>+</m:t>
-                    </m:r>
-                    <m:sSup>
-                      <m:sSupPr>
-                        <m:ctrlPr>
-                          <a:rPr lang="fr-FR" i="1">
-                            <a:latin typeface="Cambria Math" panose="02040503050406030204" pitchFamily="18" charset="0"/>
-                          </a:rPr>
-                        </m:ctrlPr>
-                      </m:sSupPr>
-                      <m:e>
-                        <m:r>
-                          <a:rPr lang="fr-FR" b="0" i="1" smtClean="0">
-                            <a:latin typeface="Cambria Math" panose="02040503050406030204" pitchFamily="18" charset="0"/>
-                          </a:rPr>
-                          <m:t>0</m:t>
-                        </m:r>
-                        <m:r>
-                          <a:rPr lang="fr-FR" i="1">
-                            <a:latin typeface="Cambria Math" panose="02040503050406030204" pitchFamily="18" charset="0"/>
-                          </a:rPr>
-                          <m:t>.2</m:t>
-                        </m:r>
-                      </m:e>
-                      <m:sup>
-                        <m:r>
-                          <a:rPr lang="fr-FR" b="0" i="1" smtClean="0">
-                            <a:latin typeface="Cambria Math" panose="02040503050406030204" pitchFamily="18" charset="0"/>
-                          </a:rPr>
-                          <m:t>2</m:t>
-                        </m:r>
-                      </m:sup>
-                    </m:sSup>
-                  </m:oMath>
-                </a14:m>
-                <a:r>
-                  <a:rPr lang="fr-FR" dirty="0"/>
-                  <a:t> </a:t>
-                </a:r>
-                <a14:m>
-                  <m:oMath xmlns:m="http://schemas.openxmlformats.org/officeDocument/2006/math">
-                    <m:sSup>
-                      <m:sSupPr>
-                        <m:ctrlPr>
-                          <a:rPr lang="fr-FR" i="1">
-                            <a:latin typeface="Cambria Math" panose="02040503050406030204" pitchFamily="18" charset="0"/>
-                          </a:rPr>
-                        </m:ctrlPr>
-                      </m:sSupPr>
-                      <m:e>
-                        <m:r>
-                          <a:rPr lang="fr-FR" b="0" i="1" smtClean="0">
-                            <a:latin typeface="Cambria Math" panose="02040503050406030204" pitchFamily="18" charset="0"/>
-                          </a:rPr>
-                          <m:t>+ </m:t>
-                        </m:r>
-                        <m:r>
-                          <a:rPr lang="fr-FR" i="1">
-                            <a:latin typeface="Cambria Math" panose="02040503050406030204" pitchFamily="18" charset="0"/>
-                          </a:rPr>
-                          <m:t>1.2</m:t>
-                        </m:r>
-                      </m:e>
-                      <m:sup>
-                        <m:r>
-                          <a:rPr lang="fr-FR" b="0" i="1" smtClean="0">
-                            <a:latin typeface="Cambria Math" panose="02040503050406030204" pitchFamily="18" charset="0"/>
-                          </a:rPr>
-                          <m:t>1</m:t>
-                        </m:r>
-                      </m:sup>
-                    </m:sSup>
-                    <m:r>
-                      <a:rPr lang="fr-FR" b="0" i="1" smtClean="0">
-                        <a:latin typeface="Cambria Math" panose="02040503050406030204" pitchFamily="18" charset="0"/>
-                      </a:rPr>
-                      <m:t>+</m:t>
-                    </m:r>
-                  </m:oMath>
-                </a14:m>
-                <a:r>
-                  <a:rPr lang="fr-FR" dirty="0"/>
-                  <a:t> </a:t>
-                </a:r>
-                <a14:m>
-                  <m:oMath xmlns:m="http://schemas.openxmlformats.org/officeDocument/2006/math">
-                    <m:sSup>
-                      <m:sSupPr>
-                        <m:ctrlPr>
-                          <a:rPr lang="fr-FR" i="1">
-                            <a:latin typeface="Cambria Math" panose="02040503050406030204" pitchFamily="18" charset="0"/>
-                          </a:rPr>
-                        </m:ctrlPr>
-                      </m:sSupPr>
-                      <m:e>
-                        <m:r>
-                          <a:rPr lang="fr-FR" i="1">
-                            <a:latin typeface="Cambria Math" panose="02040503050406030204" pitchFamily="18" charset="0"/>
-                          </a:rPr>
-                          <m:t>1.2</m:t>
-                        </m:r>
-                      </m:e>
-                      <m:sup>
-                        <m:r>
-                          <a:rPr lang="fr-FR" b="0" i="1" smtClean="0">
-                            <a:latin typeface="Cambria Math" panose="02040503050406030204" pitchFamily="18" charset="0"/>
-                          </a:rPr>
-                          <m:t>0</m:t>
-                        </m:r>
-                      </m:sup>
-                    </m:sSup>
-                  </m:oMath>
-                </a14:m>
-                <a:endParaRPr lang="fr-FR" dirty="0"/>
-              </a:p>
-            </p:txBody>
-          </p:sp>
-        </mc:Choice>
-        <mc:Fallback xmlns="">
-          <p:sp>
-            <p:nvSpPr>
-              <p:cNvPr id="12" name="ZoneTexte 11">
-                <a:extLst>
-                  <a:ext uri="{FF2B5EF4-FFF2-40B4-BE49-F238E27FC236}">
-                    <a16:creationId xmlns:a16="http://schemas.microsoft.com/office/drawing/2014/main" id="{BA99C4F1-B251-3AEA-42BF-0C72D4C08923}"/>
-                  </a:ext>
-                </a:extLst>
-              </p:cNvPr>
-              <p:cNvSpPr txBox="1">
-                <a:spLocks noRot="1" noChangeAspect="1" noMove="1" noResize="1" noEditPoints="1" noAdjustHandles="1" noChangeArrowheads="1" noChangeShapeType="1" noTextEdit="1"/>
-              </p:cNvSpPr>
-              <p:nvPr/>
-            </p:nvSpPr>
-            <p:spPr>
-              <a:xfrm>
-                <a:off x="1809135" y="4725867"/>
-                <a:ext cx="3893575" cy="369332"/>
-              </a:xfrm>
-              <a:prstGeom prst="rect">
-                <a:avLst/>
-              </a:prstGeom>
-              <a:blipFill>
-                <a:blip r:embed="rId9"/>
-                <a:stretch>
-                  <a:fillRect l="-1411" t="-6557" b="-26230"/>
-                </a:stretch>
-              </a:blipFill>
-            </p:spPr>
-            <p:txBody>
-              <a:bodyPr/>
-              <a:lstStyle/>
-              <a:p>
-                <a:r>
-                  <a:rPr lang="fr-FR">
-                    <a:noFill/>
-                  </a:rPr>
-                  <a:t> </a:t>
-                </a:r>
-              </a:p>
-            </p:txBody>
-          </p:sp>
-        </mc:Fallback>
-      </mc:AlternateContent>
-      <p:sp>
-        <p:nvSpPr>
-          <p:cNvPr id="14" name="ZoneTexte 13">
-            <a:extLst>
-              <a:ext uri="{FF2B5EF4-FFF2-40B4-BE49-F238E27FC236}">
-                <a16:creationId xmlns:a16="http://schemas.microsoft.com/office/drawing/2014/main" id="{2221FA5D-7CAD-D136-26CA-A159D8F78279}"/>
-              </a:ext>
-            </a:extLst>
-          </p:cNvPr>
-          <p:cNvSpPr txBox="1"/>
-          <p:nvPr/>
-        </p:nvSpPr>
-        <p:spPr>
-          <a:xfrm>
-            <a:off x="1809134" y="5615288"/>
-            <a:ext cx="3893575" cy="369332"/>
-          </a:xfrm>
-          <a:prstGeom prst="rect">
-            <a:avLst/>
-          </a:prstGeom>
-          <a:noFill/>
-        </p:spPr>
-        <p:txBody>
-          <a:bodyPr wrap="square">
-            <a:spAutoFit/>
-          </a:bodyPr>
-          <a:lstStyle/>
-          <a:p>
-            <a:r>
-              <a:rPr lang="fr-FR" i="1" dirty="0"/>
-              <a:t>0b </a:t>
-            </a:r>
-            <a:r>
-              <a:rPr lang="fr-FR" i="1" dirty="0">
-                <a:solidFill>
-                  <a:schemeClr val="bg1"/>
-                </a:solidFill>
-                <a:highlight>
-                  <a:srgbClr val="800080"/>
-                </a:highlight>
-              </a:rPr>
-              <a:t>1</a:t>
-            </a:r>
-            <a:r>
-              <a:rPr lang="fr-FR" i="1" dirty="0"/>
-              <a:t>011</a:t>
-            </a:r>
-            <a:endParaRPr lang="fr-FR" dirty="0"/>
-          </a:p>
-        </p:txBody>
-      </p:sp>
-      <p:sp>
-        <p:nvSpPr>
-          <p:cNvPr id="17" name="ZoneTexte 16">
-            <a:extLst>
-              <a:ext uri="{FF2B5EF4-FFF2-40B4-BE49-F238E27FC236}">
-                <a16:creationId xmlns:a16="http://schemas.microsoft.com/office/drawing/2014/main" id="{2C0726EE-E6BF-D3A5-0E5E-6617D409E946}"/>
-              </a:ext>
-            </a:extLst>
-          </p:cNvPr>
-          <p:cNvSpPr txBox="1"/>
-          <p:nvPr/>
-        </p:nvSpPr>
-        <p:spPr>
-          <a:xfrm>
-            <a:off x="2123677" y="6047523"/>
-            <a:ext cx="966118" cy="307777"/>
-          </a:xfrm>
-          <a:prstGeom prst="rect">
-            <a:avLst/>
-          </a:prstGeom>
-          <a:noFill/>
-        </p:spPr>
-        <p:txBody>
-          <a:bodyPr wrap="square">
-            <a:spAutoFit/>
-          </a:bodyPr>
-          <a:lstStyle/>
-          <a:p>
-            <a:r>
-              <a:rPr lang="fr-FR" sz="1400" i="1" dirty="0"/>
-              <a:t>signe</a:t>
-            </a:r>
-            <a:endParaRPr lang="fr-FR" sz="1400" dirty="0"/>
-          </a:p>
-        </p:txBody>
-      </p:sp>
-      <p:sp>
-        <p:nvSpPr>
-          <p:cNvPr id="19" name="Rectangle 18">
-            <a:extLst>
-              <a:ext uri="{FF2B5EF4-FFF2-40B4-BE49-F238E27FC236}">
-                <a16:creationId xmlns:a16="http://schemas.microsoft.com/office/drawing/2014/main" id="{7C70C9EF-D3C0-AC3C-5F9C-66593DEB9BEA}"/>
-              </a:ext>
-            </a:extLst>
-          </p:cNvPr>
-          <p:cNvSpPr/>
-          <p:nvPr/>
-        </p:nvSpPr>
-        <p:spPr>
-          <a:xfrm>
-            <a:off x="3783361" y="5684003"/>
-            <a:ext cx="1635483" cy="559054"/>
-          </a:xfrm>
-          <a:prstGeom prst="rect">
-            <a:avLst/>
-          </a:prstGeom>
-          <a:solidFill>
-            <a:schemeClr val="bg1"/>
-          </a:solidFill>
-        </p:spPr>
-        <p:style>
-          <a:lnRef idx="2">
-            <a:schemeClr val="accent1">
-              <a:shade val="50000"/>
-            </a:schemeClr>
-          </a:lnRef>
-          <a:fillRef idx="1">
-            <a:schemeClr val="accent1"/>
-          </a:fillRef>
-          <a:effectRef idx="0">
-            <a:schemeClr val="accent1"/>
-          </a:effectRef>
-          <a:fontRef idx="minor">
-            <a:schemeClr val="lt1"/>
-          </a:fontRef>
-        </p:style>
-        <p:txBody>
-          <a:bodyPr rtlCol="0" anchor="ctr"/>
-          <a:lstStyle/>
-          <a:p>
-            <a:pPr algn="r"/>
-            <a:r>
-              <a:rPr lang="fr-FR" sz="2000" dirty="0">
-                <a:solidFill>
-                  <a:schemeClr val="tx1"/>
-                </a:solidFill>
-              </a:rPr>
-              <a:t>-0 ≠ 0  </a:t>
-            </a:r>
-          </a:p>
-        </p:txBody>
-      </p:sp>
-      <p:pic>
-        <p:nvPicPr>
-          <p:cNvPr id="20" name="Picture 2" descr="317,435 Panneau Attention Imágenes y Fotos - 123RF">
-            <a:extLst>
-              <a:ext uri="{FF2B5EF4-FFF2-40B4-BE49-F238E27FC236}">
-                <a16:creationId xmlns:a16="http://schemas.microsoft.com/office/drawing/2014/main" id="{DF67CF51-218B-EF6F-AF18-392B247D2279}"/>
-              </a:ext>
-            </a:extLst>
-          </p:cNvPr>
-          <p:cNvPicPr>
-            <a:picLocks noChangeAspect="1" noChangeArrowheads="1"/>
-          </p:cNvPicPr>
-          <p:nvPr/>
-        </p:nvPicPr>
-        <p:blipFill>
-          <a:blip r:embed="rId10">
-            <a:extLst>
-              <a:ext uri="{28A0092B-C50C-407E-A947-70E740481C1C}">
-                <a14:useLocalDpi xmlns:a14="http://schemas.microsoft.com/office/drawing/2010/main" val="0"/>
-              </a:ext>
-            </a:extLst>
-          </a:blip>
-          <a:srcRect/>
-          <a:stretch>
-            <a:fillRect/>
-          </a:stretch>
-        </p:blipFill>
-        <p:spPr bwMode="auto">
-          <a:xfrm>
-            <a:off x="3871511" y="5751551"/>
-            <a:ext cx="425117" cy="425117"/>
-          </a:xfrm>
-          <a:prstGeom prst="rect">
-            <a:avLst/>
-          </a:prstGeom>
-          <a:noFill/>
-          <a:extLst>
-            <a:ext uri="{909E8E84-426E-40DD-AFC4-6F175D3DCCD1}">
-              <a14:hiddenFill xmlns:a14="http://schemas.microsoft.com/office/drawing/2010/main">
-                <a:solidFill>
-                  <a:srgbClr val="FFFFFF"/>
-                </a:solidFill>
-              </a14:hiddenFill>
-            </a:ext>
-          </a:extLst>
-        </p:spPr>
-      </p:pic>
-      <p:sp>
-        <p:nvSpPr>
-          <p:cNvPr id="21" name="ZoneTexte 20">
-            <a:extLst>
-              <a:ext uri="{FF2B5EF4-FFF2-40B4-BE49-F238E27FC236}">
-                <a16:creationId xmlns:a16="http://schemas.microsoft.com/office/drawing/2014/main" id="{E5FA45D0-6225-B802-1092-B59A27FD3171}"/>
-              </a:ext>
-            </a:extLst>
-          </p:cNvPr>
-          <p:cNvSpPr txBox="1"/>
-          <p:nvPr/>
-        </p:nvSpPr>
-        <p:spPr>
-          <a:xfrm>
-            <a:off x="3755921" y="6285280"/>
-            <a:ext cx="1825291" cy="307777"/>
-          </a:xfrm>
-          <a:prstGeom prst="rect">
-            <a:avLst/>
-          </a:prstGeom>
-          <a:noFill/>
-        </p:spPr>
-        <p:txBody>
-          <a:bodyPr wrap="square">
-            <a:spAutoFit/>
-          </a:bodyPr>
-          <a:lstStyle/>
-          <a:p>
-            <a:r>
-              <a:rPr lang="fr-FR" sz="1400" i="1" dirty="0"/>
-              <a:t>Complément à 2</a:t>
-            </a:r>
-            <a:endParaRPr lang="fr-FR" sz="1400" dirty="0"/>
-          </a:p>
-        </p:txBody>
-      </p:sp>
-      <p:sp>
-        <p:nvSpPr>
-          <p:cNvPr id="11" name="ZoneTexte 10">
-            <a:extLst>
-              <a:ext uri="{FF2B5EF4-FFF2-40B4-BE49-F238E27FC236}">
-                <a16:creationId xmlns:a16="http://schemas.microsoft.com/office/drawing/2014/main" id="{8AA5AA59-00EF-D1AD-24C4-F5EFAE4FC449}"/>
-              </a:ext>
-            </a:extLst>
-          </p:cNvPr>
-          <p:cNvSpPr txBox="1"/>
-          <p:nvPr/>
-        </p:nvSpPr>
-        <p:spPr>
-          <a:xfrm>
-            <a:off x="7121834" y="3821994"/>
-            <a:ext cx="3987375" cy="369332"/>
-          </a:xfrm>
-          <a:prstGeom prst="rect">
-            <a:avLst/>
-          </a:prstGeom>
-          <a:solidFill>
-            <a:schemeClr val="tx2">
-              <a:lumMod val="25000"/>
-              <a:lumOff val="75000"/>
-            </a:schemeClr>
-          </a:solidFill>
-        </p:spPr>
-        <p:txBody>
-          <a:bodyPr wrap="square" rtlCol="0">
-            <a:spAutoFit/>
-          </a:bodyPr>
-          <a:lstStyle/>
-          <a:p>
-            <a:r>
-              <a:rPr lang="fr-FR" i="1" dirty="0"/>
-              <a:t>Normalisation des informations</a:t>
-            </a:r>
-          </a:p>
-        </p:txBody>
-      </p:sp>
-      <p:sp>
-        <p:nvSpPr>
-          <p:cNvPr id="18" name="ZoneTexte 17">
-            <a:extLst>
-              <a:ext uri="{FF2B5EF4-FFF2-40B4-BE49-F238E27FC236}">
-                <a16:creationId xmlns:a16="http://schemas.microsoft.com/office/drawing/2014/main" id="{22B4BB14-D66D-B3F4-32F8-9F0B09E92775}"/>
-              </a:ext>
-            </a:extLst>
-          </p:cNvPr>
-          <p:cNvSpPr txBox="1"/>
-          <p:nvPr/>
-        </p:nvSpPr>
-        <p:spPr>
-          <a:xfrm>
-            <a:off x="7142767" y="4259702"/>
-            <a:ext cx="3987375" cy="369332"/>
-          </a:xfrm>
-          <a:prstGeom prst="rect">
-            <a:avLst/>
-          </a:prstGeom>
-          <a:noFill/>
-        </p:spPr>
-        <p:txBody>
-          <a:bodyPr wrap="square">
-            <a:spAutoFit/>
-          </a:bodyPr>
-          <a:lstStyle/>
-          <a:p>
-            <a:r>
-              <a:rPr lang="fr-FR" b="0" i="0" dirty="0">
-                <a:solidFill>
-                  <a:srgbClr val="202122"/>
-                </a:solidFill>
-                <a:effectLst/>
-                <a:latin typeface="Arial" panose="020B0604020202020204" pitchFamily="34" charset="0"/>
-              </a:rPr>
-              <a:t>IEEE 754, datant de 1985</a:t>
-            </a:r>
-            <a:endParaRPr lang="fr-FR" dirty="0"/>
-          </a:p>
-        </p:txBody>
-      </p:sp>
-      <p:sp>
-        <p:nvSpPr>
-          <p:cNvPr id="22" name="ZoneTexte 21">
-            <a:extLst>
-              <a:ext uri="{FF2B5EF4-FFF2-40B4-BE49-F238E27FC236}">
-                <a16:creationId xmlns:a16="http://schemas.microsoft.com/office/drawing/2014/main" id="{B1E102A6-CED5-EC7E-8C1E-CC41FF59B2CA}"/>
-              </a:ext>
-            </a:extLst>
-          </p:cNvPr>
-          <p:cNvSpPr txBox="1"/>
-          <p:nvPr/>
-        </p:nvSpPr>
-        <p:spPr>
-          <a:xfrm>
-            <a:off x="7121834" y="4864188"/>
-            <a:ext cx="3987375" cy="369332"/>
-          </a:xfrm>
-          <a:prstGeom prst="rect">
-            <a:avLst/>
-          </a:prstGeom>
-          <a:solidFill>
-            <a:schemeClr val="tx2">
-              <a:lumMod val="25000"/>
-              <a:lumOff val="75000"/>
-            </a:schemeClr>
-          </a:solidFill>
-        </p:spPr>
-        <p:txBody>
-          <a:bodyPr wrap="square" rtlCol="0">
-            <a:spAutoFit/>
-          </a:bodyPr>
-          <a:lstStyle/>
-          <a:p>
-            <a:pPr algn="r"/>
-            <a:r>
-              <a:rPr lang="fr-FR" i="1" dirty="0"/>
-              <a:t>Simple précision : 32 bits</a:t>
-            </a:r>
-          </a:p>
-        </p:txBody>
-      </p:sp>
-      <p:sp>
-        <p:nvSpPr>
-          <p:cNvPr id="24" name="ZoneTexte 23">
-            <a:extLst>
-              <a:ext uri="{FF2B5EF4-FFF2-40B4-BE49-F238E27FC236}">
-                <a16:creationId xmlns:a16="http://schemas.microsoft.com/office/drawing/2014/main" id="{D79FD8BC-E976-CC85-E751-A537F6110F7F}"/>
-              </a:ext>
-            </a:extLst>
-          </p:cNvPr>
-          <p:cNvSpPr txBox="1"/>
-          <p:nvPr/>
-        </p:nvSpPr>
-        <p:spPr>
-          <a:xfrm>
-            <a:off x="7142767" y="5321136"/>
-            <a:ext cx="3987375" cy="369332"/>
-          </a:xfrm>
-          <a:prstGeom prst="rect">
-            <a:avLst/>
-          </a:prstGeom>
-          <a:solidFill>
-            <a:schemeClr val="tx2">
-              <a:lumMod val="25000"/>
-              <a:lumOff val="75000"/>
-            </a:schemeClr>
-          </a:solidFill>
-        </p:spPr>
-        <p:txBody>
-          <a:bodyPr wrap="square" rtlCol="0">
-            <a:spAutoFit/>
-          </a:bodyPr>
-          <a:lstStyle/>
-          <a:p>
-            <a:pPr algn="r"/>
-            <a:r>
-              <a:rPr lang="fr-FR" i="1" dirty="0"/>
-              <a:t>Double précision : 64 bits</a:t>
-            </a:r>
-          </a:p>
-        </p:txBody>
-      </p:sp>
     </p:spTree>
     <p:extLst>
       <p:ext uri="{BB962C8B-B14F-4D97-AF65-F5344CB8AC3E}">
@@ -20703,7 +20776,7 @@
             </a:r>
             <a:r>
               <a:rPr lang="fr-FR" dirty="0"/>
-              <a:t>md</a:t>
+              <a:t>mb</a:t>
             </a:r>
             <a:r>
               <a:rPr lang="fr-FR" b="1" dirty="0"/>
@@ -27440,6 +27513,232 @@
 <file path=ppt/slides/slide36.xml><?xml version="1.0" encoding="utf-8"?>
 <p:sld xmlns:a="http://schemas.openxmlformats.org/drawingml/2006/main" xmlns:r="http://schemas.openxmlformats.org/officeDocument/2006/relationships" xmlns:p="http://schemas.openxmlformats.org/presentationml/2006/main">
   <p:cSld>
+    <p:spTree>
+      <p:nvGrpSpPr>
+        <p:cNvPr id="1" name=""/>
+        <p:cNvGrpSpPr/>
+        <p:nvPr/>
+      </p:nvGrpSpPr>
+      <p:grpSpPr>
+        <a:xfrm>
+          <a:off x="0" y="0"/>
+          <a:ext cx="0" cy="0"/>
+          <a:chOff x="0" y="0"/>
+          <a:chExt cx="0" cy="0"/>
+        </a:xfrm>
+      </p:grpSpPr>
+      <p:sp>
+        <p:nvSpPr>
+          <p:cNvPr id="2" name="Titre 1">
+            <a:extLst>
+              <a:ext uri="{FF2B5EF4-FFF2-40B4-BE49-F238E27FC236}">
+                <a16:creationId xmlns:a16="http://schemas.microsoft.com/office/drawing/2014/main" id="{90162AE8-C1B0-5C56-8313-DEE494F38273}"/>
+              </a:ext>
+            </a:extLst>
+          </p:cNvPr>
+          <p:cNvSpPr>
+            <a:spLocks noGrp="1"/>
+          </p:cNvSpPr>
+          <p:nvPr>
+            <p:ph type="title"/>
+          </p:nvPr>
+        </p:nvSpPr>
+        <p:spPr/>
+        <p:txBody>
+          <a:bodyPr/>
+          <a:lstStyle/>
+          <a:p>
+            <a:r>
+              <a:rPr lang="fr-FR" dirty="0"/>
+              <a:t>Arguments au lancement</a:t>
+            </a:r>
+          </a:p>
+        </p:txBody>
+      </p:sp>
+      <p:sp>
+        <p:nvSpPr>
+          <p:cNvPr id="3" name="Espace réservé du contenu 2">
+            <a:extLst>
+              <a:ext uri="{FF2B5EF4-FFF2-40B4-BE49-F238E27FC236}">
+                <a16:creationId xmlns:a16="http://schemas.microsoft.com/office/drawing/2014/main" id="{E0BBB9DE-019C-C741-F224-494739D4B752}"/>
+              </a:ext>
+            </a:extLst>
+          </p:cNvPr>
+          <p:cNvSpPr>
+            <a:spLocks noGrp="1"/>
+          </p:cNvSpPr>
+          <p:nvPr>
+            <p:ph sz="half" idx="1"/>
+          </p:nvPr>
+        </p:nvSpPr>
+        <p:spPr/>
+        <p:txBody>
+          <a:bodyPr/>
+          <a:lstStyle/>
+          <a:p>
+            <a:r>
+              <a:rPr lang="fr-FR" dirty="0"/>
+              <a:t>TO DO</a:t>
+            </a:r>
+          </a:p>
+        </p:txBody>
+      </p:sp>
+      <p:pic>
+        <p:nvPicPr>
+          <p:cNvPr id="5" name="Image 4" descr="Une image contenant texte&#10;&#10;Description générée automatiquement">
+            <a:extLst>
+              <a:ext uri="{FF2B5EF4-FFF2-40B4-BE49-F238E27FC236}">
+                <a16:creationId xmlns:a16="http://schemas.microsoft.com/office/drawing/2014/main" id="{66D2630B-81F4-A4EB-21BA-8B90CF30BD92}"/>
+              </a:ext>
+            </a:extLst>
+          </p:cNvPr>
+          <p:cNvPicPr>
+            <a:picLocks noChangeAspect="1"/>
+          </p:cNvPicPr>
+          <p:nvPr/>
+        </p:nvPicPr>
+        <p:blipFill>
+          <a:blip r:embed="rId2">
+            <a:extLst>
+              <a:ext uri="{28A0092B-C50C-407E-A947-70E740481C1C}">
+                <a14:useLocalDpi xmlns:a14="http://schemas.microsoft.com/office/drawing/2010/main" val="0"/>
+              </a:ext>
+            </a:extLst>
+          </a:blip>
+          <a:stretch>
+            <a:fillRect/>
+          </a:stretch>
+        </p:blipFill>
+        <p:spPr>
+          <a:xfrm>
+            <a:off x="202922" y="5934456"/>
+            <a:ext cx="1825291" cy="749808"/>
+          </a:xfrm>
+          <a:prstGeom prst="rect">
+            <a:avLst/>
+          </a:prstGeom>
+        </p:spPr>
+      </p:pic>
+      <p:pic>
+        <p:nvPicPr>
+          <p:cNvPr id="7" name="Image 6">
+            <a:extLst>
+              <a:ext uri="{FF2B5EF4-FFF2-40B4-BE49-F238E27FC236}">
+                <a16:creationId xmlns:a16="http://schemas.microsoft.com/office/drawing/2014/main" id="{5BB01D49-602A-9314-FD1F-4EC628128217}"/>
+              </a:ext>
+            </a:extLst>
+          </p:cNvPr>
+          <p:cNvPicPr>
+            <a:picLocks noChangeAspect="1"/>
+          </p:cNvPicPr>
+          <p:nvPr/>
+        </p:nvPicPr>
+        <p:blipFill>
+          <a:blip r:embed="rId3"/>
+          <a:stretch>
+            <a:fillRect/>
+          </a:stretch>
+        </p:blipFill>
+        <p:spPr>
+          <a:xfrm>
+            <a:off x="10077926" y="593679"/>
+            <a:ext cx="1081825" cy="1089498"/>
+          </a:xfrm>
+          <a:prstGeom prst="rect">
+            <a:avLst/>
+          </a:prstGeom>
+        </p:spPr>
+      </p:pic>
+      <p:sp>
+        <p:nvSpPr>
+          <p:cNvPr id="4" name="Espace réservé du numéro de diapositive 3">
+            <a:extLst>
+              <a:ext uri="{FF2B5EF4-FFF2-40B4-BE49-F238E27FC236}">
+                <a16:creationId xmlns:a16="http://schemas.microsoft.com/office/drawing/2014/main" id="{EC40FBD8-BBB0-F05E-F823-60664E26FC53}"/>
+              </a:ext>
+            </a:extLst>
+          </p:cNvPr>
+          <p:cNvSpPr>
+            <a:spLocks noGrp="1"/>
+          </p:cNvSpPr>
+          <p:nvPr>
+            <p:ph type="sldNum" sz="quarter" idx="12"/>
+          </p:nvPr>
+        </p:nvSpPr>
+        <p:spPr/>
+        <p:txBody>
+          <a:bodyPr/>
+          <a:lstStyle/>
+          <a:p>
+            <a:fld id="{B2DC25EE-239B-4C5F-AAD1-255A7D5F1EE2}" type="slidenum">
+              <a:rPr lang="en-US" smtClean="0"/>
+              <a:t>36</a:t>
+            </a:fld>
+            <a:endParaRPr lang="en-US"/>
+          </a:p>
+        </p:txBody>
+      </p:sp>
+      <p:sp>
+        <p:nvSpPr>
+          <p:cNvPr id="6" name="ZoneTexte 5">
+            <a:extLst>
+              <a:ext uri="{FF2B5EF4-FFF2-40B4-BE49-F238E27FC236}">
+                <a16:creationId xmlns:a16="http://schemas.microsoft.com/office/drawing/2014/main" id="{E368A9FF-273A-CEA6-E61E-B7FCBDE2C122}"/>
+              </a:ext>
+            </a:extLst>
+          </p:cNvPr>
+          <p:cNvSpPr txBox="1"/>
+          <p:nvPr/>
+        </p:nvSpPr>
+        <p:spPr>
+          <a:xfrm>
+            <a:off x="822960" y="3302376"/>
+            <a:ext cx="4765173" cy="369332"/>
+          </a:xfrm>
+          <a:prstGeom prst="rect">
+            <a:avLst/>
+          </a:prstGeom>
+          <a:solidFill>
+            <a:schemeClr val="accent1">
+              <a:lumMod val="40000"/>
+              <a:lumOff val="60000"/>
+            </a:schemeClr>
+          </a:solidFill>
+        </p:spPr>
+        <p:txBody>
+          <a:bodyPr wrap="square" rtlCol="0">
+            <a:spAutoFit/>
+          </a:bodyPr>
+          <a:lstStyle/>
+          <a:p>
+            <a:r>
+              <a:rPr lang="fr-FR" b="1" dirty="0"/>
+              <a:t>*args et **</a:t>
+            </a:r>
+            <a:r>
+              <a:rPr lang="fr-FR" b="1" dirty="0" err="1"/>
+              <a:t>kwargs</a:t>
+            </a:r>
+            <a:endParaRPr lang="fr-FR" b="1" dirty="0"/>
+          </a:p>
+        </p:txBody>
+      </p:sp>
+    </p:spTree>
+    <p:extLst>
+      <p:ext uri="{BB962C8B-B14F-4D97-AF65-F5344CB8AC3E}">
+        <p14:creationId xmlns:p14="http://schemas.microsoft.com/office/powerpoint/2010/main" val="4088700286"/>
+      </p:ext>
+    </p:extLst>
+  </p:cSld>
+  <p:clrMapOvr>
+    <a:masterClrMapping/>
+  </p:clrMapOvr>
+</p:sld>
+</file>
+
+<file path=ppt/slides/slide37.xml><?xml version="1.0" encoding="utf-8"?>
+<p:sld xmlns:a="http://schemas.openxmlformats.org/drawingml/2006/main" xmlns:r="http://schemas.openxmlformats.org/officeDocument/2006/relationships" xmlns:p="http://schemas.openxmlformats.org/presentationml/2006/main">
+  <p:cSld>
     <p:bg>
       <p:bgPr>
         <a:solidFill>
@@ -27574,7 +27873,7 @@
           <a:p>
             <a:fld id="{B2DC25EE-239B-4C5F-AAD1-255A7D5F1EE2}" type="slidenum">
               <a:rPr lang="en-US" smtClean="0"/>
-              <a:t>36</a:t>
+              <a:t>37</a:t>
             </a:fld>
             <a:endParaRPr lang="en-US" dirty="0"/>
           </a:p>

--- a/ONIP/onip_b1_methodes_numeriques/seance1_demistifier_python/B1_s1_1_Demystifier_Python.pptx
+++ b/ONIP/onip_b1_methodes_numeriques/seance1_demistifier_python/B1_s1_1_Demystifier_Python.pptx
@@ -10335,8 +10335,8 @@
           </p:sp>
         </mc:Fallback>
       </mc:AlternateContent>
-      <mc:AlternateContent xmlns:mc="http://schemas.openxmlformats.org/markup-compatibility/2006">
-        <mc:Choice xmlns:a14="http://schemas.microsoft.com/office/drawing/2010/main" Requires="a14">
+      <mc:AlternateContent xmlns:mc="http://schemas.openxmlformats.org/markup-compatibility/2006" xmlns:a14="http://schemas.microsoft.com/office/drawing/2010/main">
+        <mc:Choice Requires="a14">
           <p:sp>
             <p:nvSpPr>
               <p:cNvPr id="6" name="ZoneTexte 5">
@@ -10421,7 +10421,7 @@
             </p:txBody>
           </p:sp>
         </mc:Choice>
-        <mc:Fallback>
+        <mc:Fallback xmlns="">
           <p:sp>
             <p:nvSpPr>
               <p:cNvPr id="6" name="ZoneTexte 5">
@@ -10466,8 +10466,8 @@
           </p:sp>
         </mc:Fallback>
       </mc:AlternateContent>
-      <mc:AlternateContent xmlns:mc="http://schemas.openxmlformats.org/markup-compatibility/2006">
-        <mc:Choice xmlns:a14="http://schemas.microsoft.com/office/drawing/2010/main" Requires="a14">
+      <mc:AlternateContent xmlns:mc="http://schemas.openxmlformats.org/markup-compatibility/2006" xmlns:a14="http://schemas.microsoft.com/office/drawing/2010/main">
+        <mc:Choice Requires="a14">
           <p:sp>
             <p:nvSpPr>
               <p:cNvPr id="7" name="ZoneTexte 6">
@@ -10560,7 +10560,7 @@
             </p:txBody>
           </p:sp>
         </mc:Choice>
-        <mc:Fallback>
+        <mc:Fallback xmlns="">
           <p:sp>
             <p:nvSpPr>
               <p:cNvPr id="7" name="ZoneTexte 6">
@@ -11767,8 +11767,8 @@
           </a:p>
         </p:txBody>
       </p:sp>
-      <mc:AlternateContent xmlns:mc="http://schemas.openxmlformats.org/markup-compatibility/2006">
-        <mc:Choice xmlns:a14="http://schemas.microsoft.com/office/drawing/2010/main" Requires="a14">
+      <mc:AlternateContent xmlns:mc="http://schemas.openxmlformats.org/markup-compatibility/2006" xmlns:a14="http://schemas.microsoft.com/office/drawing/2010/main">
+        <mc:Choice Requires="a14">
           <p:sp>
             <p:nvSpPr>
               <p:cNvPr id="10" name="ZoneTexte 9">
@@ -11853,7 +11853,7 @@
             </p:txBody>
           </p:sp>
         </mc:Choice>
-        <mc:Fallback>
+        <mc:Fallback xmlns="">
           <p:sp>
             <p:nvSpPr>
               <p:cNvPr id="10" name="ZoneTexte 9">
@@ -11898,8 +11898,8 @@
           </p:sp>
         </mc:Fallback>
       </mc:AlternateContent>
-      <mc:AlternateContent xmlns:mc="http://schemas.openxmlformats.org/markup-compatibility/2006">
-        <mc:Choice xmlns:a14="http://schemas.microsoft.com/office/drawing/2010/main" Requires="a14">
+      <mc:AlternateContent xmlns:mc="http://schemas.openxmlformats.org/markup-compatibility/2006" xmlns:a14="http://schemas.microsoft.com/office/drawing/2010/main">
+        <mc:Choice Requires="a14">
           <p:sp>
             <p:nvSpPr>
               <p:cNvPr id="11" name="ZoneTexte 10">
@@ -11992,7 +11992,7 @@
             </p:txBody>
           </p:sp>
         </mc:Choice>
-        <mc:Fallback>
+        <mc:Fallback xmlns="">
           <p:sp>
             <p:nvSpPr>
               <p:cNvPr id="11" name="ZoneTexte 10">
@@ -13136,8 +13136,8 @@
           </a:p>
         </p:txBody>
       </p:sp>
-      <mc:AlternateContent xmlns:mc="http://schemas.openxmlformats.org/markup-compatibility/2006">
-        <mc:Choice xmlns:a14="http://schemas.microsoft.com/office/drawing/2010/main" Requires="a14">
+      <mc:AlternateContent xmlns:mc="http://schemas.openxmlformats.org/markup-compatibility/2006" xmlns:a14="http://schemas.microsoft.com/office/drawing/2010/main">
+        <mc:Choice Requires="a14">
           <p:sp>
             <p:nvSpPr>
               <p:cNvPr id="15" name="ZoneTexte 14">
@@ -13222,7 +13222,7 @@
             </p:txBody>
           </p:sp>
         </mc:Choice>
-        <mc:Fallback>
+        <mc:Fallback xmlns="">
           <p:sp>
             <p:nvSpPr>
               <p:cNvPr id="15" name="ZoneTexte 14">
@@ -13267,8 +13267,8 @@
           </p:sp>
         </mc:Fallback>
       </mc:AlternateContent>
-      <mc:AlternateContent xmlns:mc="http://schemas.openxmlformats.org/markup-compatibility/2006">
-        <mc:Choice xmlns:a14="http://schemas.microsoft.com/office/drawing/2010/main" Requires="a14">
+      <mc:AlternateContent xmlns:mc="http://schemas.openxmlformats.org/markup-compatibility/2006" xmlns:a14="http://schemas.microsoft.com/office/drawing/2010/main">
+        <mc:Choice Requires="a14">
           <p:sp>
             <p:nvSpPr>
               <p:cNvPr id="23" name="ZoneTexte 22">
@@ -13361,7 +13361,7 @@
             </p:txBody>
           </p:sp>
         </mc:Choice>
-        <mc:Fallback>
+        <mc:Fallback xmlns="">
           <p:sp>
             <p:nvSpPr>
               <p:cNvPr id="23" name="ZoneTexte 22">

--- a/ONIP/onip_b1_methodes_numeriques/seance1_demistifier_python/B1_s1_1_Demystifier_Python.pptx
+++ b/ONIP/onip_b1_methodes_numeriques/seance1_demistifier_python/B1_s1_1_Demystifier_Python.pptx
@@ -233,7 +233,7 @@
           <a:p>
             <a:fld id="{E95F58B1-F1E7-421E-8CAB-1142E22FAA94}" type="datetimeFigureOut">
               <a:rPr lang="fr-FR" smtClean="0"/>
-              <a:t>18/07/2023</a:t>
+              <a:t>24/07/2023</a:t>
             </a:fld>
             <a:endParaRPr lang="fr-FR"/>
           </a:p>
@@ -1832,7 +1832,7 @@
           <a:p>
             <a:fld id="{2C6A9BE2-48D6-45F3-A4B0-8BE7C1136124}" type="datetime1">
               <a:rPr lang="en-US" smtClean="0"/>
-              <a:t>7/18/2023</a:t>
+              <a:t>7/24/2023</a:t>
             </a:fld>
             <a:endParaRPr lang="en-US" dirty="0"/>
           </a:p>
@@ -2202,7 +2202,7 @@
           <a:p>
             <a:fld id="{207990F5-EACC-4966-A287-4B4216F53718}" type="datetime1">
               <a:rPr lang="en-US" smtClean="0"/>
-              <a:t>7/18/2023</a:t>
+              <a:t>7/24/2023</a:t>
             </a:fld>
             <a:endParaRPr lang="en-US"/>
           </a:p>
@@ -2411,7 +2411,7 @@
           <a:p>
             <a:fld id="{8DBF913E-3F18-4AE4-A521-5546F23394FD}" type="datetime1">
               <a:rPr lang="en-US" smtClean="0"/>
-              <a:t>7/18/2023</a:t>
+              <a:t>7/24/2023</a:t>
             </a:fld>
             <a:endParaRPr lang="en-US"/>
           </a:p>
@@ -2881,7 +2881,7 @@
           <a:p>
             <a:fld id="{421071EA-A2A1-4B83-9FE9-827C1480F45E}" type="datetime1">
               <a:rPr lang="en-US" smtClean="0"/>
-              <a:t>7/18/2023</a:t>
+              <a:t>7/24/2023</a:t>
             </a:fld>
             <a:endParaRPr lang="en-US"/>
           </a:p>
@@ -3335,7 +3335,7 @@
           <a:p>
             <a:fld id="{7D2504F1-5060-4C10-BD92-0633042B2812}" type="datetime1">
               <a:rPr lang="en-US" smtClean="0"/>
-              <a:t>7/18/2023</a:t>
+              <a:t>7/24/2023</a:t>
             </a:fld>
             <a:endParaRPr lang="en-US"/>
           </a:p>
@@ -3867,7 +3867,7 @@
           <a:p>
             <a:fld id="{CCF0797F-0516-4828-A9E8-BF81E916FC1D}" type="datetime1">
               <a:rPr lang="en-US" smtClean="0"/>
-              <a:t>7/18/2023</a:t>
+              <a:t>7/24/2023</a:t>
             </a:fld>
             <a:endParaRPr lang="en-US"/>
           </a:p>
@@ -4566,7 +4566,7 @@
           <a:p>
             <a:fld id="{CAC274E3-1008-4E28-BFFC-77C935D233DD}" type="datetime1">
               <a:rPr lang="en-US" smtClean="0"/>
-              <a:t>7/18/2023</a:t>
+              <a:t>7/24/2023</a:t>
             </a:fld>
             <a:endParaRPr lang="en-US"/>
           </a:p>
@@ -4895,7 +4895,7 @@
           <a:p>
             <a:fld id="{81831256-70AB-43BA-B638-B038FD1822DB}" type="datetime1">
               <a:rPr lang="en-US" smtClean="0"/>
-              <a:t>7/18/2023</a:t>
+              <a:t>7/24/2023</a:t>
             </a:fld>
             <a:endParaRPr lang="en-US"/>
           </a:p>
@@ -5008,7 +5008,7 @@
           <a:p>
             <a:fld id="{B4C012F4-50C6-4AFD-90BE-024A8E4A2B02}" type="datetime1">
               <a:rPr lang="en-US" smtClean="0"/>
-              <a:t>7/18/2023</a:t>
+              <a:t>7/24/2023</a:t>
             </a:fld>
             <a:endParaRPr lang="en-US"/>
           </a:p>
@@ -5503,7 +5503,7 @@
           <a:p>
             <a:fld id="{0D6EEE37-F261-4D0D-9D02-D22EFB5FB312}" type="datetime1">
               <a:rPr lang="en-US" smtClean="0"/>
-              <a:t>7/18/2023</a:t>
+              <a:t>7/24/2023</a:t>
             </a:fld>
             <a:endParaRPr lang="en-US" dirty="0"/>
           </a:p>
@@ -5980,7 +5980,7 @@
           <a:p>
             <a:fld id="{5E2207DD-F583-4331-A80F-94A5D95D3F6E}" type="datetime1">
               <a:rPr lang="en-US" smtClean="0"/>
-              <a:t>7/18/2023</a:t>
+              <a:t>7/24/2023</a:t>
             </a:fld>
             <a:endParaRPr lang="en-US"/>
           </a:p>
@@ -6223,7 +6223,7 @@
           <a:p>
             <a:fld id="{DFF62E98-E19A-48A5-B163-ACC3DA57F658}" type="datetime1">
               <a:rPr lang="en-US" smtClean="0"/>
-              <a:t>7/18/2023</a:t>
+              <a:t>7/24/2023</a:t>
             </a:fld>
             <a:endParaRPr lang="en-US"/>
           </a:p>
@@ -7827,7 +7827,7 @@
     <p:bg>
       <p:bgPr>
         <a:solidFill>
-          <a:srgbClr val="A08DDB"/>
+          <a:schemeClr val="accent1"/>
         </a:solidFill>
         <a:effectLst/>
       </p:bgPr>
@@ -21267,7 +21267,7 @@
     <p:bg>
       <p:bgPr>
         <a:solidFill>
-          <a:srgbClr val="A08DDB"/>
+          <a:schemeClr val="accent1"/>
         </a:solidFill>
         <a:effectLst/>
       </p:bgPr>

--- a/ONIP/onip_b1_methodes_numeriques/seance1_demistifier_python/B1_s1_1_Demystifier_Python.pptx
+++ b/ONIP/onip_b1_methodes_numeriques/seance1_demistifier_python/B1_s1_1_Demystifier_Python.pptx
@@ -234,7 +234,7 @@
           <a:p>
             <a:fld id="{E95F58B1-F1E7-421E-8CAB-1142E22FAA94}" type="datetimeFigureOut">
               <a:rPr lang="fr-FR" smtClean="0"/>
-              <a:t>17/09/2023</a:t>
+              <a:t>18/09/2023</a:t>
             </a:fld>
             <a:endParaRPr lang="fr-FR"/>
           </a:p>
@@ -1833,7 +1833,7 @@
           <a:p>
             <a:fld id="{2C6A9BE2-48D6-45F3-A4B0-8BE7C1136124}" type="datetime1">
               <a:rPr lang="en-US" smtClean="0"/>
-              <a:t>9/17/2023</a:t>
+              <a:t>9/18/2023</a:t>
             </a:fld>
             <a:endParaRPr lang="en-US" dirty="0"/>
           </a:p>
@@ -2203,7 +2203,7 @@
           <a:p>
             <a:fld id="{207990F5-EACC-4966-A287-4B4216F53718}" type="datetime1">
               <a:rPr lang="en-US" smtClean="0"/>
-              <a:t>9/17/2023</a:t>
+              <a:t>9/18/2023</a:t>
             </a:fld>
             <a:endParaRPr lang="en-US"/>
           </a:p>
@@ -2412,7 +2412,7 @@
           <a:p>
             <a:fld id="{8DBF913E-3F18-4AE4-A521-5546F23394FD}" type="datetime1">
               <a:rPr lang="en-US" smtClean="0"/>
-              <a:t>9/17/2023</a:t>
+              <a:t>9/18/2023</a:t>
             </a:fld>
             <a:endParaRPr lang="en-US"/>
           </a:p>
@@ -2882,7 +2882,7 @@
           <a:p>
             <a:fld id="{421071EA-A2A1-4B83-9FE9-827C1480F45E}" type="datetime1">
               <a:rPr lang="en-US" smtClean="0"/>
-              <a:t>9/17/2023</a:t>
+              <a:t>9/18/2023</a:t>
             </a:fld>
             <a:endParaRPr lang="en-US"/>
           </a:p>
@@ -3336,7 +3336,7 @@
           <a:p>
             <a:fld id="{7D2504F1-5060-4C10-BD92-0633042B2812}" type="datetime1">
               <a:rPr lang="en-US" smtClean="0"/>
-              <a:t>9/17/2023</a:t>
+              <a:t>9/18/2023</a:t>
             </a:fld>
             <a:endParaRPr lang="en-US"/>
           </a:p>
@@ -3868,7 +3868,7 @@
           <a:p>
             <a:fld id="{CCF0797F-0516-4828-A9E8-BF81E916FC1D}" type="datetime1">
               <a:rPr lang="en-US" smtClean="0"/>
-              <a:t>9/17/2023</a:t>
+              <a:t>9/18/2023</a:t>
             </a:fld>
             <a:endParaRPr lang="en-US"/>
           </a:p>
@@ -4567,7 +4567,7 @@
           <a:p>
             <a:fld id="{CAC274E3-1008-4E28-BFFC-77C935D233DD}" type="datetime1">
               <a:rPr lang="en-US" smtClean="0"/>
-              <a:t>9/17/2023</a:t>
+              <a:t>9/18/2023</a:t>
             </a:fld>
             <a:endParaRPr lang="en-US"/>
           </a:p>
@@ -4896,7 +4896,7 @@
           <a:p>
             <a:fld id="{81831256-70AB-43BA-B638-B038FD1822DB}" type="datetime1">
               <a:rPr lang="en-US" smtClean="0"/>
-              <a:t>9/17/2023</a:t>
+              <a:t>9/18/2023</a:t>
             </a:fld>
             <a:endParaRPr lang="en-US"/>
           </a:p>
@@ -5009,7 +5009,7 @@
           <a:p>
             <a:fld id="{B4C012F4-50C6-4AFD-90BE-024A8E4A2B02}" type="datetime1">
               <a:rPr lang="en-US" smtClean="0"/>
-              <a:t>9/17/2023</a:t>
+              <a:t>9/18/2023</a:t>
             </a:fld>
             <a:endParaRPr lang="en-US"/>
           </a:p>
@@ -5504,7 +5504,7 @@
           <a:p>
             <a:fld id="{0D6EEE37-F261-4D0D-9D02-D22EFB5FB312}" type="datetime1">
               <a:rPr lang="en-US" smtClean="0"/>
-              <a:t>9/17/2023</a:t>
+              <a:t>9/18/2023</a:t>
             </a:fld>
             <a:endParaRPr lang="en-US" dirty="0"/>
           </a:p>
@@ -5981,7 +5981,7 @@
           <a:p>
             <a:fld id="{5E2207DD-F583-4331-A80F-94A5D95D3F6E}" type="datetime1">
               <a:rPr lang="en-US" smtClean="0"/>
-              <a:t>9/17/2023</a:t>
+              <a:t>9/18/2023</a:t>
             </a:fld>
             <a:endParaRPr lang="en-US"/>
           </a:p>
@@ -6224,7 +6224,7 @@
           <a:p>
             <a:fld id="{DFF62E98-E19A-48A5-B163-ACC3DA57F658}" type="datetime1">
               <a:rPr lang="en-US" smtClean="0"/>
-              <a:t>9/17/2023</a:t>
+              <a:t>9/18/2023</a:t>
             </a:fld>
             <a:endParaRPr lang="en-US"/>
           </a:p>
@@ -8294,20 +8294,52 @@
                   <a:schemeClr val="bg1"/>
                 </a:solidFill>
               </a:rPr>
-              <a:t>&gt; 3 – 2 – 1</a:t>
-            </a:r>
-          </a:p>
-          <a:p>
-            <a:pPr marL="0" indent="0">
-              <a:buNone/>
-            </a:pPr>
+              <a:t>&gt; a</a:t>
+            </a:r>
+            <a:r>
+              <a:rPr lang="fr-FR" dirty="0" smtClean="0">
+                <a:solidFill>
+                  <a:schemeClr val="bg1"/>
+                </a:solidFill>
+              </a:rPr>
+              <a:t> = 3 </a:t>
+            </a:r>
             <a:r>
               <a:rPr lang="fr-FR" dirty="0">
                 <a:solidFill>
                   <a:schemeClr val="bg1"/>
                 </a:solidFill>
               </a:rPr>
-              <a:t>&gt; 0.3 – 0.2 – 0.1</a:t>
+              <a:t>– 2 – 1</a:t>
+            </a:r>
+          </a:p>
+          <a:p>
+            <a:pPr marL="0" indent="0">
+              <a:buNone/>
+            </a:pPr>
+            <a:r>
+              <a:rPr lang="fr-FR" dirty="0">
+                <a:solidFill>
+                  <a:schemeClr val="bg1"/>
+                </a:solidFill>
+              </a:rPr>
+              <a:t>&gt; b</a:t>
+            </a:r>
+            <a:r>
+              <a:rPr lang="fr-FR" dirty="0" smtClean="0">
+                <a:solidFill>
+                  <a:schemeClr val="bg1"/>
+                </a:solidFill>
+              </a:rPr>
+              <a:t> = 0.3 </a:t>
+            </a:r>
+            <a:r>
+              <a:rPr lang="fr-FR" dirty="0">
+                <a:solidFill>
+                  <a:schemeClr val="bg1"/>
+                </a:solidFill>
+              </a:rPr>
+              <a:t>– 0.2 – 0.1</a:t>
             </a:r>
           </a:p>
         </p:txBody>
@@ -26806,7 +26838,7 @@
           <a:graphicData uri="http://schemas.openxmlformats.org/presentationml/2006/ole">
             <mc:AlternateContent xmlns:mc="http://schemas.openxmlformats.org/markup-compatibility/2006">
               <mc:Choice xmlns:v="urn:schemas-microsoft-com:vml" Requires="v">
-                <p:oleObj spid="_x0000_s1030" name="Image bitmap" r:id="rId6" imgW="3591000" imgH="2457360" progId="Paint.Picture">
+                <p:oleObj spid="_x0000_s1034" name="Image bitmap" r:id="rId6" imgW="3591000" imgH="2457360" progId="Paint.Picture">
                   <p:embed/>
                 </p:oleObj>
               </mc:Choice>
@@ -27171,7 +27203,7 @@
           <a:graphicData uri="http://schemas.openxmlformats.org/presentationml/2006/ole">
             <mc:AlternateContent xmlns:mc="http://schemas.openxmlformats.org/markup-compatibility/2006">
               <mc:Choice xmlns:v="urn:schemas-microsoft-com:vml" Requires="v">
-                <p:oleObj spid="_x0000_s1031" name="Image bitmap" r:id="rId9" imgW="3571920" imgH="2467080" progId="Paint.Picture">
+                <p:oleObj spid="_x0000_s1035" name="Image bitmap" r:id="rId9" imgW="3571920" imgH="2467080" progId="Paint.Picture">
                   <p:embed/>
                 </p:oleObj>
               </mc:Choice>
